--- a/2021_Summer/jp.hong/Git_Manual.pptx
+++ b/2021_Summer/jp.hong/Git_Manual.pptx
@@ -2,15 +2,29 @@
 <file path=ppt/presentation.xml><?xml version="1.0" encoding="utf-8"?>
 <p:presentation xmlns:r="http://schemas.openxmlformats.org/officeDocument/2006/relationships" xmlns:c="http://schemas.openxmlformats.org/drawingml/2006/chart" xmlns:a="http://schemas.openxmlformats.org/drawingml/2006/main" xmlns:dgm="http://schemas.openxmlformats.org/drawingml/2006/diagram" xmlns:dsp="http://schemas.microsoft.com/office/drawing/2008/diagram" xmlns:p="http://schemas.openxmlformats.org/presentationml/2006/main">
   <p:sldMasterIdLst>
-    <p:sldMasterId id="2147483719" r:id="rId1"/>
+    <p:sldMasterId id="2147483761" r:id="rId1"/>
   </p:sldMasterIdLst>
   <p:sldIdLst>
     <p:sldId id="256" r:id="rId2"/>
-    <p:sldId id="257" r:id="rId3"/>
-    <p:sldId id="258" r:id="rId4"/>
-    <p:sldId id="259" r:id="rId5"/>
-    <p:sldId id="260" r:id="rId6"/>
-    <p:sldId id="261" r:id="rId7"/>
+    <p:sldId id="262" r:id="rId3"/>
+    <p:sldId id="263" r:id="rId4"/>
+    <p:sldId id="264" r:id="rId5"/>
+    <p:sldId id="265" r:id="rId6"/>
+    <p:sldId id="266" r:id="rId7"/>
+    <p:sldId id="267" r:id="rId8"/>
+    <p:sldId id="268" r:id="rId9"/>
+    <p:sldId id="269" r:id="rId10"/>
+    <p:sldId id="270" r:id="rId11"/>
+    <p:sldId id="271" r:id="rId12"/>
+    <p:sldId id="272" r:id="rId13"/>
+    <p:sldId id="273" r:id="rId14"/>
+    <p:sldId id="274" r:id="rId15"/>
+    <p:sldId id="257" r:id="rId16"/>
+    <p:sldId id="258" r:id="rId17"/>
+    <p:sldId id="259" r:id="rId18"/>
+    <p:sldId id="275" r:id="rId19"/>
+    <p:sldId id="260" r:id="rId20"/>
+    <p:sldId id="261" r:id="rId21"/>
   </p:sldIdLst>
   <p:sldSz cx="12192000" cy="6858000"/>
   <p:notesSz cx="6858000" cy="9144000"/>
@@ -3232,8 +3246,24 @@
         </p:nvSpPr>
         <p:spPr/>
         <p:txBody>
-          <a:bodyPr/>
+          <a:bodyPr>
+            <a:normAutofit lnSpcReduction="10000"/>
+          </a:bodyPr>
           <a:lstStyle/>
+          <a:p>
+            <a:pPr>
+              <a:defRPr/>
+            </a:pPr>
+            <a:r>
+              <a:rPr lang="en-US" altLang="ko-KR"/>
+              <a:t>Git </a:t>
+            </a:r>
+            <a:r>
+              <a:rPr lang="ko-KR" altLang="en-US"/>
+              <a:t>설치 과정</a:t>
+            </a:r>
+            <a:endParaRPr lang="ko-KR" altLang="en-US"/>
+          </a:p>
           <a:p>
             <a:pPr>
               <a:defRPr/>
@@ -3296,7 +3326,1048 @@
 </p:sld>
 </file>
 
-<file path=ppt/slides/slide2.xml><?xml version="1.0" encoding="utf-8"?>
+<file path=ppt/slides/slide10.xml><?xml version="1.0" encoding="utf-8"?>
+<p:sld xmlns:r="http://schemas.openxmlformats.org/officeDocument/2006/relationships" xmlns:c="http://schemas.openxmlformats.org/drawingml/2006/chart" xmlns:a="http://schemas.openxmlformats.org/drawingml/2006/main" xmlns:dgm="http://schemas.openxmlformats.org/drawingml/2006/diagram" xmlns:dsp="http://schemas.microsoft.com/office/drawing/2008/diagram" xmlns:p="http://schemas.openxmlformats.org/presentationml/2006/main">
+  <p:cSld>
+    <p:spTree>
+      <p:nvGrpSpPr>
+        <p:cNvPr id="1" name=""/>
+        <p:cNvGrpSpPr/>
+        <p:nvPr/>
+      </p:nvGrpSpPr>
+      <p:grpSpPr>
+        <a:xfrm>
+          <a:off x="0" y="0"/>
+          <a:ext cx="0" cy="0"/>
+          <a:chOff x="0" y="0"/>
+          <a:chExt cx="0" cy="0"/>
+        </a:xfrm>
+      </p:grpSpPr>
+      <p:pic>
+        <p:nvPicPr>
+          <p:cNvPr id="4" name=""/>
+          <p:cNvPicPr>
+            <a:picLocks noChangeAspect="1"/>
+          </p:cNvPicPr>
+          <p:nvPr/>
+        </p:nvPicPr>
+        <p:blipFill rotWithShape="1">
+          <a:blip r:embed="rId2"/>
+          <a:stretch>
+            <a:fillRect/>
+          </a:stretch>
+        </p:blipFill>
+        <p:spPr>
+          <a:xfrm>
+            <a:off x="5054603" y="1592580"/>
+            <a:ext cx="4495165" cy="3710051"/>
+          </a:xfrm>
+          <a:prstGeom prst="rect">
+            <a:avLst/>
+          </a:prstGeom>
+        </p:spPr>
+      </p:pic>
+      <p:pic>
+        <p:nvPicPr>
+          <p:cNvPr id="6" name=""/>
+          <p:cNvPicPr>
+            <a:picLocks noChangeAspect="1"/>
+          </p:cNvPicPr>
+          <p:nvPr/>
+        </p:nvPicPr>
+        <p:blipFill rotWithShape="1">
+          <a:blip r:embed="rId3"/>
+          <a:stretch>
+            <a:fillRect/>
+          </a:stretch>
+        </p:blipFill>
+        <p:spPr>
+          <a:xfrm>
+            <a:off x="220684" y="1588769"/>
+            <a:ext cx="4450080" cy="3680460"/>
+          </a:xfrm>
+          <a:prstGeom prst="rect">
+            <a:avLst/>
+          </a:prstGeom>
+        </p:spPr>
+      </p:pic>
+      <p:sp>
+        <p:nvSpPr>
+          <p:cNvPr id="8" name=""/>
+          <p:cNvSpPr/>
+          <p:nvPr/>
+        </p:nvSpPr>
+        <p:spPr>
+          <a:xfrm>
+            <a:off x="0" y="5236210"/>
+            <a:ext cx="12192000" cy="1621789"/>
+          </a:xfrm>
+          <a:prstGeom prst="rect">
+            <a:avLst/>
+          </a:prstGeom>
+          <a:noFill/>
+          <a:ln>
+            <a:noFill/>
+          </a:ln>
+        </p:spPr>
+        <p:style>
+          <a:lnRef idx="2">
+            <a:schemeClr val="accent1">
+              <a:shade val="20000"/>
+            </a:schemeClr>
+          </a:lnRef>
+          <a:fillRef idx="1">
+            <a:schemeClr val="accent1"/>
+          </a:fillRef>
+          <a:effectRef idx="0">
+            <a:schemeClr val="accent1"/>
+          </a:effectRef>
+          <a:fontRef idx="minor">
+            <a:schemeClr val="lt1"/>
+          </a:fontRef>
+        </p:style>
+        <p:txBody>
+          <a:bodyPr anchor="ctr"/>
+          <a:lstStyle/>
+          <a:p>
+            <a:pPr>
+              <a:defRPr/>
+            </a:pPr>
+            <a:r>
+              <a:rPr lang="en-US" altLang="ko-KR">
+                <a:solidFill>
+                  <a:schemeClr val="dk1"/>
+                </a:solidFill>
+              </a:rPr>
+              <a:t>2. </a:t>
+            </a:r>
+            <a:r>
+              <a:rPr lang="ko-KR" altLang="en-US">
+                <a:solidFill>
+                  <a:schemeClr val="dk1"/>
+                </a:solidFill>
+              </a:rPr>
+              <a:t> </a:t>
+            </a:r>
+            <a:r>
+              <a:rPr lang="en-US" altLang="ko-KR">
+                <a:solidFill>
+                  <a:schemeClr val="dk1"/>
+                </a:solidFill>
+              </a:rPr>
+              <a:t>credential helper</a:t>
+            </a:r>
+            <a:r>
+              <a:rPr lang="ko-KR" altLang="en-US">
+                <a:solidFill>
+                  <a:schemeClr val="dk1"/>
+                </a:solidFill>
+              </a:rPr>
+              <a:t>를 사용하는 창</a:t>
+            </a:r>
+            <a:endParaRPr lang="ko-KR" altLang="en-US">
+              <a:solidFill>
+                <a:schemeClr val="dk1"/>
+              </a:solidFill>
+            </a:endParaRPr>
+          </a:p>
+          <a:p>
+            <a:pPr>
+              <a:defRPr/>
+            </a:pPr>
+            <a:r>
+              <a:rPr lang="en-US" altLang="ko-KR">
+                <a:solidFill>
+                  <a:schemeClr val="dk1"/>
+                </a:solidFill>
+              </a:rPr>
+              <a:t>credential </a:t>
+            </a:r>
+            <a:r>
+              <a:rPr lang="ko-KR" altLang="en-US">
+                <a:solidFill>
+                  <a:schemeClr val="dk1"/>
+                </a:solidFill>
+              </a:rPr>
+              <a:t>저장소란</a:t>
+            </a:r>
+            <a:r>
+              <a:rPr lang="en-US" altLang="ko-KR">
+                <a:solidFill>
+                  <a:schemeClr val="dk1"/>
+                </a:solidFill>
+              </a:rPr>
+              <a:t>?</a:t>
+            </a:r>
+            <a:r>
+              <a:rPr lang="ko-KR" altLang="en-US">
+                <a:solidFill>
+                  <a:schemeClr val="dk1"/>
+                </a:solidFill>
+              </a:rPr>
+              <a:t> 매번 인증정보</a:t>
+            </a:r>
+            <a:r>
+              <a:rPr lang="en-US" altLang="ko-KR">
+                <a:solidFill>
+                  <a:schemeClr val="dk1"/>
+                </a:solidFill>
+              </a:rPr>
+              <a:t>(Credential)</a:t>
+            </a:r>
+            <a:r>
+              <a:rPr lang="ko-KR" altLang="en-US">
+                <a:solidFill>
+                  <a:schemeClr val="dk1"/>
+                </a:solidFill>
+              </a:rPr>
+              <a:t>를 입력하는 경우 인증정보를 저장해두고 자동으로 입력해주는 시스템</a:t>
+            </a:r>
+            <a:endParaRPr lang="ko-KR" altLang="en-US">
+              <a:solidFill>
+                <a:schemeClr val="dk1"/>
+              </a:solidFill>
+            </a:endParaRPr>
+          </a:p>
+        </p:txBody>
+      </p:sp>
+    </p:spTree>
+  </p:cSld>
+  <p:clrMapOvr>
+    <a:masterClrMapping/>
+  </p:clrMapOvr>
+  <mc:AlternateContent xmlns:mc="http://schemas.openxmlformats.org/markup-compatibility/2006">
+    <mc:Choice xmlns:p14="http://schemas.microsoft.com/office/powerpoint/2010/main" Requires="p14">
+      <p:transition xmlns:mc="http://schemas.openxmlformats.org/markup-compatibility/2006" xmlns:p14="http://schemas.microsoft.com/office/powerpoint/2010/main" mc:Ignorable="p14" p14:dur="500"/>
+    </mc:Choice>
+    <mc:Fallback>
+      <p:transition/>
+    </mc:Fallback>
+  </mc:AlternateContent>
+</p:sld>
+</file>
+
+<file path=ppt/slides/slide11.xml><?xml version="1.0" encoding="utf-8"?>
+<p:sld xmlns:r="http://schemas.openxmlformats.org/officeDocument/2006/relationships" xmlns:c="http://schemas.openxmlformats.org/drawingml/2006/chart" xmlns:a="http://schemas.openxmlformats.org/drawingml/2006/main" xmlns:dgm="http://schemas.openxmlformats.org/drawingml/2006/diagram" xmlns:dsp="http://schemas.microsoft.com/office/drawing/2008/diagram" xmlns:p="http://schemas.openxmlformats.org/presentationml/2006/main">
+  <p:cSld>
+    <p:spTree>
+      <p:nvGrpSpPr>
+        <p:cNvPr id="1" name=""/>
+        <p:cNvGrpSpPr/>
+        <p:nvPr/>
+      </p:nvGrpSpPr>
+      <p:grpSpPr>
+        <a:xfrm>
+          <a:off x="0" y="0"/>
+          <a:ext cx="0" cy="0"/>
+          <a:chOff x="0" y="0"/>
+          <a:chExt cx="0" cy="0"/>
+        </a:xfrm>
+      </p:grpSpPr>
+      <p:pic>
+        <p:nvPicPr>
+          <p:cNvPr id="4" name=""/>
+          <p:cNvPicPr>
+            <a:picLocks noChangeAspect="1"/>
+          </p:cNvPicPr>
+          <p:nvPr/>
+        </p:nvPicPr>
+        <p:blipFill rotWithShape="1">
+          <a:blip r:embed="rId2"/>
+          <a:stretch>
+            <a:fillRect/>
+          </a:stretch>
+        </p:blipFill>
+        <p:spPr>
+          <a:xfrm>
+            <a:off x="6096000" y="779145"/>
+            <a:ext cx="4434839" cy="3672840"/>
+          </a:xfrm>
+          <a:prstGeom prst="rect">
+            <a:avLst/>
+          </a:prstGeom>
+        </p:spPr>
+      </p:pic>
+      <p:pic>
+        <p:nvPicPr>
+          <p:cNvPr id="6" name=""/>
+          <p:cNvPicPr>
+            <a:picLocks noChangeAspect="1"/>
+          </p:cNvPicPr>
+          <p:nvPr/>
+        </p:nvPicPr>
+        <p:blipFill rotWithShape="1">
+          <a:blip r:embed="rId3"/>
+          <a:stretch>
+            <a:fillRect/>
+          </a:stretch>
+        </p:blipFill>
+        <p:spPr>
+          <a:xfrm>
+            <a:off x="453571" y="779145"/>
+            <a:ext cx="4442459" cy="3680460"/>
+          </a:xfrm>
+          <a:prstGeom prst="rect">
+            <a:avLst/>
+          </a:prstGeom>
+        </p:spPr>
+      </p:pic>
+      <p:sp>
+        <p:nvSpPr>
+          <p:cNvPr id="8" name=""/>
+          <p:cNvSpPr/>
+          <p:nvPr/>
+        </p:nvSpPr>
+        <p:spPr>
+          <a:xfrm>
+            <a:off x="0" y="4459605"/>
+            <a:ext cx="12192000" cy="2398395"/>
+          </a:xfrm>
+          <a:prstGeom prst="rect">
+            <a:avLst/>
+          </a:prstGeom>
+          <a:noFill/>
+          <a:ln>
+            <a:noFill/>
+          </a:ln>
+        </p:spPr>
+        <p:style>
+          <a:lnRef idx="2">
+            <a:schemeClr val="accent1">
+              <a:shade val="20000"/>
+            </a:schemeClr>
+          </a:lnRef>
+          <a:fillRef idx="1">
+            <a:schemeClr val="accent1"/>
+          </a:fillRef>
+          <a:effectRef idx="0">
+            <a:schemeClr val="accent1"/>
+          </a:effectRef>
+          <a:fontRef idx="minor">
+            <a:schemeClr val="lt1"/>
+          </a:fontRef>
+        </p:style>
+        <p:txBody>
+          <a:bodyPr anchor="ctr"/>
+          <a:lstStyle/>
+          <a:p>
+            <a:pPr>
+              <a:defRPr/>
+            </a:pPr>
+            <a:r>
+              <a:rPr lang="en-US" altLang="ko-KR">
+                <a:solidFill>
+                  <a:schemeClr val="dk1"/>
+                </a:solidFill>
+              </a:rPr>
+              <a:t>1-1. Enable file system caching</a:t>
+            </a:r>
+            <a:endParaRPr lang="en-US" altLang="ko-KR">
+              <a:solidFill>
+                <a:schemeClr val="dk1"/>
+              </a:solidFill>
+            </a:endParaRPr>
+          </a:p>
+          <a:p>
+            <a:pPr>
+              <a:defRPr/>
+            </a:pPr>
+            <a:r>
+              <a:rPr lang="en-US" altLang="ko-KR">
+                <a:solidFill>
+                  <a:schemeClr val="dk1"/>
+                </a:solidFill>
+              </a:rPr>
+              <a:t> - </a:t>
+            </a:r>
+            <a:r>
+              <a:rPr lang="ko-KR" altLang="en-US">
+                <a:solidFill>
+                  <a:schemeClr val="dk1"/>
+                </a:solidFill>
+              </a:rPr>
+              <a:t>파일 시스템메모리를 캐시하는 기능</a:t>
+            </a:r>
+            <a:r>
+              <a:rPr lang="en-US" altLang="ko-KR">
+                <a:solidFill>
+                  <a:schemeClr val="dk1"/>
+                </a:solidFill>
+              </a:rPr>
+              <a:t>.</a:t>
+            </a:r>
+            <a:r>
+              <a:rPr lang="ko-KR" altLang="en-US">
+                <a:solidFill>
+                  <a:schemeClr val="dk1"/>
+                </a:solidFill>
+              </a:rPr>
+              <a:t> 수행 속도를 더 빠르게 해준다</a:t>
+            </a:r>
+            <a:r>
+              <a:rPr lang="en-US" altLang="ko-KR">
+                <a:solidFill>
+                  <a:schemeClr val="dk1"/>
+                </a:solidFill>
+              </a:rPr>
+              <a:t>.</a:t>
+            </a:r>
+            <a:endParaRPr lang="en-US" altLang="ko-KR">
+              <a:solidFill>
+                <a:schemeClr val="dk1"/>
+              </a:solidFill>
+            </a:endParaRPr>
+          </a:p>
+          <a:p>
+            <a:pPr>
+              <a:defRPr/>
+            </a:pPr>
+            <a:r>
+              <a:rPr lang="en-US" altLang="ko-KR">
+                <a:solidFill>
+                  <a:schemeClr val="dk1"/>
+                </a:solidFill>
+              </a:rPr>
+              <a:t>1-2.</a:t>
+            </a:r>
+            <a:r>
+              <a:rPr lang="ko-KR" altLang="en-US">
+                <a:solidFill>
+                  <a:schemeClr val="dk1"/>
+                </a:solidFill>
+              </a:rPr>
+              <a:t> </a:t>
+            </a:r>
+            <a:r>
+              <a:rPr lang="en-US" altLang="ko-KR">
+                <a:solidFill>
+                  <a:schemeClr val="dk1"/>
+                </a:solidFill>
+              </a:rPr>
+              <a:t>Enable symbolic links</a:t>
+            </a:r>
+            <a:endParaRPr lang="en-US" altLang="ko-KR">
+              <a:solidFill>
+                <a:schemeClr val="dk1"/>
+              </a:solidFill>
+            </a:endParaRPr>
+          </a:p>
+          <a:p>
+            <a:pPr>
+              <a:defRPr/>
+            </a:pPr>
+            <a:r>
+              <a:rPr lang="en-US" altLang="ko-KR">
+                <a:solidFill>
+                  <a:schemeClr val="dk1"/>
+                </a:solidFill>
+              </a:rPr>
+              <a:t> - </a:t>
+            </a:r>
+            <a:r>
+              <a:rPr lang="ko-KR" altLang="en-US">
+                <a:solidFill>
+                  <a:schemeClr val="dk1"/>
+                </a:solidFill>
+              </a:rPr>
+              <a:t>링크를 연결하여 원본파일을 직접 사용하는 것과 같은 효과를 내는</a:t>
+            </a:r>
+            <a:r>
+              <a:rPr lang="en-US" altLang="ko-KR">
+                <a:solidFill>
+                  <a:schemeClr val="dk1"/>
+                </a:solidFill>
+              </a:rPr>
+              <a:t> symbolic</a:t>
+            </a:r>
+            <a:r>
+              <a:rPr lang="ko-KR" altLang="en-US">
+                <a:solidFill>
+                  <a:schemeClr val="dk1"/>
+                </a:solidFill>
+              </a:rPr>
+              <a:t> </a:t>
+            </a:r>
+            <a:r>
+              <a:rPr lang="en-US" altLang="ko-KR">
+                <a:solidFill>
+                  <a:schemeClr val="dk1"/>
+                </a:solidFill>
+              </a:rPr>
+              <a:t>link</a:t>
+            </a:r>
+            <a:r>
+              <a:rPr lang="ko-KR" altLang="en-US">
+                <a:solidFill>
+                  <a:schemeClr val="dk1"/>
+                </a:solidFill>
+              </a:rPr>
+              <a:t>를 사용할 수 있게 함</a:t>
+            </a:r>
+            <a:r>
+              <a:rPr lang="en-US" altLang="ko-KR">
+                <a:solidFill>
+                  <a:schemeClr val="dk1"/>
+                </a:solidFill>
+              </a:rPr>
+              <a:t>.</a:t>
+            </a:r>
+            <a:endParaRPr lang="en-US" altLang="ko-KR">
+              <a:solidFill>
+                <a:schemeClr val="dk1"/>
+              </a:solidFill>
+            </a:endParaRPr>
+          </a:p>
+        </p:txBody>
+      </p:sp>
+    </p:spTree>
+  </p:cSld>
+  <p:clrMapOvr>
+    <a:masterClrMapping/>
+  </p:clrMapOvr>
+  <mc:AlternateContent xmlns:mc="http://schemas.openxmlformats.org/markup-compatibility/2006">
+    <mc:Choice xmlns:p14="http://schemas.microsoft.com/office/powerpoint/2010/main" Requires="p14">
+      <p:transition xmlns:mc="http://schemas.openxmlformats.org/markup-compatibility/2006" xmlns:p14="http://schemas.microsoft.com/office/powerpoint/2010/main" mc:Ignorable="p14" p14:dur="500"/>
+    </mc:Choice>
+    <mc:Fallback>
+      <p:transition/>
+    </mc:Fallback>
+  </mc:AlternateContent>
+</p:sld>
+</file>
+
+<file path=ppt/slides/slide12.xml><?xml version="1.0" encoding="utf-8"?>
+<p:sld xmlns:r="http://schemas.openxmlformats.org/officeDocument/2006/relationships" xmlns:c="http://schemas.openxmlformats.org/drawingml/2006/chart" xmlns:a="http://schemas.openxmlformats.org/drawingml/2006/main" xmlns:dgm="http://schemas.openxmlformats.org/drawingml/2006/diagram" xmlns:dsp="http://schemas.microsoft.com/office/drawing/2008/diagram" xmlns:p="http://schemas.openxmlformats.org/presentationml/2006/main">
+  <p:cSld>
+    <p:spTree>
+      <p:nvGrpSpPr>
+        <p:cNvPr id="1" name=""/>
+        <p:cNvGrpSpPr/>
+        <p:nvPr/>
+      </p:nvGrpSpPr>
+      <p:grpSpPr>
+        <a:xfrm>
+          <a:off x="0" y="0"/>
+          <a:ext cx="0" cy="0"/>
+          <a:chOff x="0" y="0"/>
+          <a:chExt cx="0" cy="0"/>
+        </a:xfrm>
+      </p:grpSpPr>
+      <p:pic>
+        <p:nvPicPr>
+          <p:cNvPr id="4" name=""/>
+          <p:cNvPicPr>
+            <a:picLocks noChangeAspect="1"/>
+          </p:cNvPicPr>
+          <p:nvPr/>
+        </p:nvPicPr>
+        <p:blipFill rotWithShape="1">
+          <a:blip r:embed="rId2"/>
+          <a:stretch>
+            <a:fillRect/>
+          </a:stretch>
+        </p:blipFill>
+        <p:spPr>
+          <a:xfrm>
+            <a:off x="5700438" y="1588769"/>
+            <a:ext cx="4434839" cy="3680460"/>
+          </a:xfrm>
+          <a:prstGeom prst="rect">
+            <a:avLst/>
+          </a:prstGeom>
+        </p:spPr>
+      </p:pic>
+      <p:pic>
+        <p:nvPicPr>
+          <p:cNvPr id="5" name=""/>
+          <p:cNvPicPr>
+            <a:picLocks noChangeAspect="1"/>
+          </p:cNvPicPr>
+          <p:nvPr/>
+        </p:nvPicPr>
+        <p:blipFill rotWithShape="1">
+          <a:blip r:embed="rId3"/>
+          <a:stretch>
+            <a:fillRect/>
+          </a:stretch>
+        </p:blipFill>
+        <p:spPr>
+          <a:xfrm>
+            <a:off x="217170" y="1600200"/>
+            <a:ext cx="4450080" cy="3657600"/>
+          </a:xfrm>
+          <a:prstGeom prst="rect">
+            <a:avLst/>
+          </a:prstGeom>
+        </p:spPr>
+      </p:pic>
+      <p:sp>
+        <p:nvSpPr>
+          <p:cNvPr id="6" name=""/>
+          <p:cNvSpPr/>
+          <p:nvPr/>
+        </p:nvSpPr>
+        <p:spPr>
+          <a:xfrm>
+            <a:off x="0" y="5236210"/>
+            <a:ext cx="12192000" cy="1621789"/>
+          </a:xfrm>
+          <a:prstGeom prst="rect">
+            <a:avLst/>
+          </a:prstGeom>
+          <a:noFill/>
+          <a:ln>
+            <a:noFill/>
+          </a:ln>
+        </p:spPr>
+        <p:style>
+          <a:lnRef idx="2">
+            <a:schemeClr val="accent1">
+              <a:shade val="20000"/>
+            </a:schemeClr>
+          </a:lnRef>
+          <a:fillRef idx="1">
+            <a:schemeClr val="accent1"/>
+          </a:fillRef>
+          <a:effectRef idx="0">
+            <a:schemeClr val="accent1"/>
+          </a:effectRef>
+          <a:fontRef idx="minor">
+            <a:schemeClr val="lt1"/>
+          </a:fontRef>
+        </p:style>
+        <p:txBody>
+          <a:bodyPr anchor="ctr"/>
+          <a:lstStyle/>
+          <a:p>
+            <a:pPr>
+              <a:defRPr/>
+            </a:pPr>
+            <a:r>
+              <a:rPr lang="ko-KR" altLang="en-US">
+                <a:solidFill>
+                  <a:schemeClr val="dk1"/>
+                </a:solidFill>
+              </a:rPr>
+              <a:t>설치 완료</a:t>
+            </a:r>
+            <a:r>
+              <a:rPr lang="en-US" altLang="ko-KR">
+                <a:solidFill>
+                  <a:schemeClr val="dk1"/>
+                </a:solidFill>
+              </a:rPr>
+              <a:t>.</a:t>
+            </a:r>
+            <a:endParaRPr lang="en-US" altLang="ko-KR">
+              <a:solidFill>
+                <a:schemeClr val="dk1"/>
+              </a:solidFill>
+            </a:endParaRPr>
+          </a:p>
+        </p:txBody>
+      </p:sp>
+    </p:spTree>
+  </p:cSld>
+  <p:clrMapOvr>
+    <a:masterClrMapping/>
+  </p:clrMapOvr>
+  <mc:AlternateContent xmlns:mc="http://schemas.openxmlformats.org/markup-compatibility/2006">
+    <mc:Choice xmlns:p14="http://schemas.microsoft.com/office/powerpoint/2010/main" Requires="p14">
+      <p:transition xmlns:mc="http://schemas.openxmlformats.org/markup-compatibility/2006" xmlns:p14="http://schemas.microsoft.com/office/powerpoint/2010/main" mc:Ignorable="p14" p14:dur="500"/>
+    </mc:Choice>
+    <mc:Fallback>
+      <p:transition/>
+    </mc:Fallback>
+  </mc:AlternateContent>
+</p:sld>
+</file>
+
+<file path=ppt/slides/slide13.xml><?xml version="1.0" encoding="utf-8"?>
+<p:sld xmlns:r="http://schemas.openxmlformats.org/officeDocument/2006/relationships" xmlns:c="http://schemas.openxmlformats.org/drawingml/2006/chart" xmlns:a="http://schemas.openxmlformats.org/drawingml/2006/main" xmlns:dgm="http://schemas.openxmlformats.org/drawingml/2006/diagram" xmlns:dsp="http://schemas.microsoft.com/office/drawing/2008/diagram" xmlns:p="http://schemas.openxmlformats.org/presentationml/2006/main">
+  <p:cSld>
+    <p:spTree>
+      <p:nvGrpSpPr>
+        <p:cNvPr id="1" name=""/>
+        <p:cNvGrpSpPr/>
+        <p:nvPr/>
+      </p:nvGrpSpPr>
+      <p:grpSpPr>
+        <a:xfrm>
+          <a:off x="0" y="0"/>
+          <a:ext cx="0" cy="0"/>
+          <a:chOff x="0" y="0"/>
+          <a:chExt cx="0" cy="0"/>
+        </a:xfrm>
+      </p:grpSpPr>
+      <p:sp>
+        <p:nvSpPr>
+          <p:cNvPr id="3" name="내용 개체 틀 2"/>
+          <p:cNvSpPr>
+            <a:spLocks noGrp="1"/>
+          </p:cNvSpPr>
+          <p:nvPr>
+            <p:ph idx="1"/>
+          </p:nvPr>
+        </p:nvSpPr>
+        <p:spPr/>
+        <p:txBody>
+          <a:bodyPr/>
+          <a:lstStyle/>
+          <a:p>
+            <a:pPr>
+              <a:defRPr/>
+            </a:pPr>
+            <a:r>
+              <a:rPr lang="en-US" altLang="ko-KR"/>
+              <a:t>GitHub</a:t>
+            </a:r>
+            <a:r>
+              <a:rPr lang="ko-KR" altLang="en-US"/>
+              <a:t>를 사용할 때 </a:t>
+            </a:r>
+            <a:r>
+              <a:rPr lang="en-US" altLang="ko-KR"/>
+              <a:t>git push</a:t>
+            </a:r>
+            <a:r>
+              <a:rPr lang="ko-KR" altLang="en-US"/>
+              <a:t> 명령어를 사용하여 소스코드와 파일을 업로드 할 수 있음</a:t>
+            </a:r>
+            <a:r>
+              <a:rPr lang="en-US" altLang="ko-KR"/>
+              <a:t>.</a:t>
+            </a:r>
+            <a:endParaRPr lang="en-US" altLang="ko-KR"/>
+          </a:p>
+          <a:p>
+            <a:pPr>
+              <a:defRPr/>
+            </a:pPr>
+            <a:r>
+              <a:rPr lang="ko-KR" altLang="en-US"/>
+              <a:t>이 과정에서 해당 저장소를 수정할 수 있는 권한을 가진 사용자 인증 과정이 필요함</a:t>
+            </a:r>
+            <a:r>
+              <a:rPr lang="en-US" altLang="ko-KR"/>
+              <a:t>.</a:t>
+            </a:r>
+            <a:endParaRPr lang="en-US" altLang="ko-KR"/>
+          </a:p>
+          <a:p>
+            <a:pPr>
+              <a:defRPr/>
+            </a:pPr>
+            <a:r>
+              <a:rPr lang="ko-KR" altLang="en-US"/>
+              <a:t>이러한 인증을 위해 </a:t>
+            </a:r>
+            <a:r>
+              <a:rPr lang="en-US" altLang="ko-KR"/>
+              <a:t>SSH-Key</a:t>
+            </a:r>
+            <a:r>
+              <a:rPr lang="ko-KR" altLang="en-US"/>
+              <a:t>를 이용</a:t>
+            </a:r>
+            <a:endParaRPr lang="ko-KR" altLang="en-US"/>
+          </a:p>
+          <a:p>
+            <a:pPr>
+              <a:defRPr/>
+            </a:pPr>
+            <a:endParaRPr lang="en-US" altLang="ko-KR"/>
+          </a:p>
+        </p:txBody>
+      </p:sp>
+      <p:sp>
+        <p:nvSpPr>
+          <p:cNvPr id="4" name=""/>
+          <p:cNvSpPr/>
+          <p:nvPr/>
+        </p:nvSpPr>
+        <p:spPr>
+          <a:xfrm>
+            <a:off x="0" y="437264"/>
+            <a:ext cx="12192000" cy="914400"/>
+          </a:xfrm>
+          <a:prstGeom prst="rect">
+            <a:avLst/>
+          </a:prstGeom>
+        </p:spPr>
+        <p:style>
+          <a:lnRef idx="2">
+            <a:schemeClr val="accent1">
+              <a:shade val="20000"/>
+            </a:schemeClr>
+          </a:lnRef>
+          <a:fillRef idx="1">
+            <a:schemeClr val="accent1"/>
+          </a:fillRef>
+          <a:effectRef idx="0">
+            <a:schemeClr val="accent1"/>
+          </a:effectRef>
+          <a:fontRef idx="minor">
+            <a:schemeClr val="lt1"/>
+          </a:fontRef>
+        </p:style>
+        <p:txBody>
+          <a:bodyPr anchor="ctr"/>
+          <a:lstStyle/>
+          <a:p>
+            <a:pPr algn="ctr">
+              <a:defRPr/>
+            </a:pPr>
+            <a:r>
+              <a:rPr lang="en-US" altLang="ko-KR" sz="2400"/>
+              <a:t>SSH-KEY</a:t>
+            </a:r>
+            <a:r>
+              <a:rPr lang="ko-KR" altLang="en-US" sz="2400"/>
+              <a:t> 설정</a:t>
+            </a:r>
+            <a:endParaRPr lang="ko-KR" altLang="en-US" sz="2400"/>
+          </a:p>
+        </p:txBody>
+      </p:sp>
+    </p:spTree>
+  </p:cSld>
+  <p:clrMapOvr>
+    <a:masterClrMapping/>
+  </p:clrMapOvr>
+  <mc:AlternateContent xmlns:mc="http://schemas.openxmlformats.org/markup-compatibility/2006">
+    <mc:Choice xmlns:p14="http://schemas.microsoft.com/office/powerpoint/2010/main" Requires="p14">
+      <p:transition xmlns:mc="http://schemas.openxmlformats.org/markup-compatibility/2006" xmlns:p14="http://schemas.microsoft.com/office/powerpoint/2010/main" mc:Ignorable="p14" p14:dur="500"/>
+    </mc:Choice>
+    <mc:Fallback>
+      <p:transition/>
+    </mc:Fallback>
+  </mc:AlternateContent>
+</p:sld>
+</file>
+
+<file path=ppt/slides/slide14.xml><?xml version="1.0" encoding="utf-8"?>
+<p:sld xmlns:r="http://schemas.openxmlformats.org/officeDocument/2006/relationships" xmlns:c="http://schemas.openxmlformats.org/drawingml/2006/chart" xmlns:a="http://schemas.openxmlformats.org/drawingml/2006/main" xmlns:dgm="http://schemas.openxmlformats.org/drawingml/2006/diagram" xmlns:dsp="http://schemas.microsoft.com/office/drawing/2008/diagram" xmlns:p="http://schemas.openxmlformats.org/presentationml/2006/main">
+  <p:cSld>
+    <p:spTree>
+      <p:nvGrpSpPr>
+        <p:cNvPr id="1" name=""/>
+        <p:cNvGrpSpPr/>
+        <p:nvPr/>
+      </p:nvGrpSpPr>
+      <p:grpSpPr>
+        <a:xfrm>
+          <a:off x="0" y="0"/>
+          <a:ext cx="0" cy="0"/>
+          <a:chOff x="0" y="0"/>
+          <a:chExt cx="0" cy="0"/>
+        </a:xfrm>
+      </p:grpSpPr>
+      <p:pic>
+        <p:nvPicPr>
+          <p:cNvPr id="4" name=""/>
+          <p:cNvPicPr>
+            <a:picLocks noChangeAspect="1"/>
+          </p:cNvPicPr>
+          <p:nvPr/>
+        </p:nvPicPr>
+        <p:blipFill rotWithShape="1">
+          <a:blip r:embed="rId2"/>
+          <a:stretch>
+            <a:fillRect/>
+          </a:stretch>
+        </p:blipFill>
+        <p:spPr>
+          <a:xfrm>
+            <a:off x="198754" y="1974215"/>
+            <a:ext cx="5722620" cy="1082039"/>
+          </a:xfrm>
+          <a:prstGeom prst="rect">
+            <a:avLst/>
+          </a:prstGeom>
+        </p:spPr>
+      </p:pic>
+      <p:pic>
+        <p:nvPicPr>
+          <p:cNvPr id="5" name=""/>
+          <p:cNvPicPr>
+            <a:picLocks noChangeAspect="1"/>
+          </p:cNvPicPr>
+          <p:nvPr/>
+        </p:nvPicPr>
+        <p:blipFill rotWithShape="1">
+          <a:blip r:embed="rId3"/>
+          <a:stretch>
+            <a:fillRect/>
+          </a:stretch>
+        </p:blipFill>
+        <p:spPr>
+          <a:xfrm>
+            <a:off x="6096000" y="267335"/>
+            <a:ext cx="5684520" cy="3413760"/>
+          </a:xfrm>
+          <a:prstGeom prst="rect">
+            <a:avLst/>
+          </a:prstGeom>
+        </p:spPr>
+      </p:pic>
+      <p:sp>
+        <p:nvSpPr>
+          <p:cNvPr id="6" name=""/>
+          <p:cNvSpPr/>
+          <p:nvPr/>
+        </p:nvSpPr>
+        <p:spPr>
+          <a:xfrm>
+            <a:off x="0" y="4347210"/>
+            <a:ext cx="12192000" cy="1621789"/>
+          </a:xfrm>
+          <a:prstGeom prst="rect">
+            <a:avLst/>
+          </a:prstGeom>
+          <a:noFill/>
+          <a:ln>
+            <a:noFill/>
+          </a:ln>
+        </p:spPr>
+        <p:style>
+          <a:lnRef idx="2">
+            <a:schemeClr val="accent1">
+              <a:shade val="20000"/>
+            </a:schemeClr>
+          </a:lnRef>
+          <a:fillRef idx="1">
+            <a:schemeClr val="accent1"/>
+          </a:fillRef>
+          <a:effectRef idx="0">
+            <a:schemeClr val="accent1"/>
+          </a:effectRef>
+          <a:fontRef idx="minor">
+            <a:schemeClr val="lt1"/>
+          </a:fontRef>
+        </p:style>
+        <p:txBody>
+          <a:bodyPr anchor="ctr"/>
+          <a:lstStyle/>
+          <a:p>
+            <a:pPr>
+              <a:defRPr/>
+            </a:pPr>
+            <a:r>
+              <a:rPr lang="en-US" altLang="ko-KR">
+                <a:solidFill>
+                  <a:schemeClr val="dk1"/>
+                </a:solidFill>
+              </a:rPr>
+              <a:t>Git</a:t>
+            </a:r>
+            <a:r>
+              <a:rPr lang="ko-KR" altLang="en-US">
+                <a:solidFill>
+                  <a:schemeClr val="dk1"/>
+                </a:solidFill>
+              </a:rPr>
+              <a:t>을 설치한 위치에 가면 </a:t>
+            </a:r>
+            <a:r>
+              <a:rPr lang="en-US" altLang="ko-KR">
+                <a:solidFill>
+                  <a:schemeClr val="dk1"/>
+                </a:solidFill>
+              </a:rPr>
+              <a:t>Git Bash</a:t>
+            </a:r>
+            <a:r>
+              <a:rPr lang="ko-KR" altLang="en-US">
+                <a:solidFill>
+                  <a:schemeClr val="dk1"/>
+                </a:solidFill>
+              </a:rPr>
+              <a:t>라는 프로그램이 생성되어 있다</a:t>
+            </a:r>
+            <a:r>
+              <a:rPr lang="en-US" altLang="ko-KR">
+                <a:solidFill>
+                  <a:schemeClr val="dk1"/>
+                </a:solidFill>
+              </a:rPr>
+              <a:t>.</a:t>
+            </a:r>
+            <a:endParaRPr lang="en-US" altLang="ko-KR">
+              <a:solidFill>
+                <a:schemeClr val="dk1"/>
+              </a:solidFill>
+            </a:endParaRPr>
+          </a:p>
+          <a:p>
+            <a:pPr>
+              <a:defRPr/>
+            </a:pPr>
+            <a:r>
+              <a:rPr lang="ko-KR" altLang="en-US">
+                <a:solidFill>
+                  <a:schemeClr val="dk1"/>
+                </a:solidFill>
+              </a:rPr>
+              <a:t>이 </a:t>
+            </a:r>
+            <a:r>
+              <a:rPr lang="en-US" altLang="ko-KR">
+                <a:solidFill>
+                  <a:schemeClr val="dk1"/>
+                </a:solidFill>
+              </a:rPr>
+              <a:t>Git</a:t>
+            </a:r>
+            <a:r>
+              <a:rPr lang="ko-KR" altLang="en-US">
+                <a:solidFill>
+                  <a:schemeClr val="dk1"/>
+                </a:solidFill>
+              </a:rPr>
+              <a:t> </a:t>
+            </a:r>
+            <a:r>
+              <a:rPr lang="en-US" altLang="ko-KR">
+                <a:solidFill>
+                  <a:schemeClr val="dk1"/>
+                </a:solidFill>
+              </a:rPr>
+              <a:t>Bash </a:t>
+            </a:r>
+            <a:r>
+              <a:rPr lang="ko-KR" altLang="en-US">
+                <a:solidFill>
+                  <a:schemeClr val="dk1"/>
+                </a:solidFill>
+              </a:rPr>
+              <a:t>프로그램을 실행시키면 검정색 명령 프롬프트 창이 나온다</a:t>
+            </a:r>
+            <a:endParaRPr lang="ko-KR" altLang="en-US">
+              <a:solidFill>
+                <a:schemeClr val="dk1"/>
+              </a:solidFill>
+            </a:endParaRPr>
+          </a:p>
+        </p:txBody>
+      </p:sp>
+    </p:spTree>
+  </p:cSld>
+  <p:clrMapOvr>
+    <a:masterClrMapping/>
+  </p:clrMapOvr>
+  <mc:AlternateContent xmlns:mc="http://schemas.openxmlformats.org/markup-compatibility/2006">
+    <mc:Choice xmlns:p14="http://schemas.microsoft.com/office/powerpoint/2010/main" Requires="p14">
+      <p:transition xmlns:mc="http://schemas.openxmlformats.org/markup-compatibility/2006" xmlns:p14="http://schemas.microsoft.com/office/powerpoint/2010/main" mc:Ignorable="p14" p14:dur="500"/>
+    </mc:Choice>
+    <mc:Fallback>
+      <p:transition/>
+    </mc:Fallback>
+  </mc:AlternateContent>
+</p:sld>
+</file>
+
+<file path=ppt/slides/slide15.xml><?xml version="1.0" encoding="utf-8"?>
 <p:sld xmlns:r="http://schemas.openxmlformats.org/officeDocument/2006/relationships" xmlns:c="http://schemas.openxmlformats.org/drawingml/2006/chart" xmlns:a="http://schemas.openxmlformats.org/drawingml/2006/main" xmlns:dgm="http://schemas.openxmlformats.org/drawingml/2006/diagram" xmlns:dsp="http://schemas.microsoft.com/office/drawing/2008/diagram" xmlns:p="http://schemas.openxmlformats.org/presentationml/2006/main">
   <p:cSld>
     <p:spTree>
@@ -3331,7 +4402,7 @@
         </p:blipFill>
         <p:spPr>
           <a:xfrm>
-            <a:off x="504824" y="1713763"/>
+            <a:off x="2256157" y="808888"/>
             <a:ext cx="7308213" cy="3924640"/>
           </a:xfrm>
           <a:prstGeom prst="rect">
@@ -3347,15 +4418,15 @@
         </p:nvSpPr>
         <p:spPr>
           <a:xfrm>
-            <a:off x="8477250" y="1827068"/>
-            <a:ext cx="3653790" cy="1457152"/>
+            <a:off x="520699" y="5179702"/>
+            <a:ext cx="10779130" cy="641343"/>
           </a:xfrm>
           <a:prstGeom prst="rect">
             <a:avLst/>
           </a:prstGeom>
         </p:spPr>
         <p:txBody>
-          <a:bodyPr wrap="none">
+          <a:bodyPr wrap="square">
             <a:spAutoFit/>
           </a:bodyPr>
           <a:p>
@@ -3384,28 +4455,12 @@
             </a:r>
             <a:r>
               <a:rPr lang="en-US" altLang="ko-KR"/>
-              <a:t>clone, </a:t>
-            </a:r>
-            <a:endParaRPr lang="en-US" altLang="ko-KR"/>
-          </a:p>
-          <a:p>
-            <a:pPr>
-              <a:defRPr/>
-            </a:pPr>
-            <a:r>
-              <a:rPr lang="en-US" altLang="ko-KR"/>
-              <a:t>add, commit</a:t>
+              <a:t>clone, add, commit</a:t>
             </a:r>
             <a:r>
               <a:rPr lang="ko-KR" altLang="en-US"/>
-              <a:t>은 가능하지만</a:t>
-            </a:r>
-            <a:endParaRPr lang="ko-KR" altLang="en-US"/>
-          </a:p>
-          <a:p>
-            <a:pPr>
-              <a:defRPr/>
-            </a:pPr>
+              <a:t>은 가능하지만 </a:t>
+            </a:r>
             <a:r>
               <a:rPr lang="en-US" altLang="ko-KR"/>
               <a:t>push</a:t>
@@ -3436,21 +4491,19 @@
               <a:rPr lang="ko-KR" altLang="en-US"/>
               <a:t>디렉터리에서 </a:t>
             </a:r>
-            <a:endParaRPr lang="en-US" altLang="ko-KR"/>
-          </a:p>
-          <a:p>
-            <a:pPr>
-              <a:defRPr/>
-            </a:pPr>
             <a:r>
               <a:rPr lang="en-US" altLang="ko-KR"/>
               <a:t>ssh-keygen</a:t>
             </a:r>
             <a:r>
               <a:rPr lang="ko-KR" altLang="en-US"/>
-              <a:t> 명령어로 생성</a:t>
-            </a:r>
-            <a:endParaRPr lang="ko-KR" altLang="en-US"/>
+              <a:t> 명령어로 생성이 가능하다</a:t>
+            </a:r>
+            <a:r>
+              <a:rPr lang="en-US" altLang="ko-KR"/>
+              <a:t>.</a:t>
+            </a:r>
+            <a:endParaRPr lang="en-US" altLang="ko-KR"/>
           </a:p>
         </p:txBody>
       </p:sp>
@@ -3470,7 +4523,7 @@
 </p:sld>
 </file>
 
-<file path=ppt/slides/slide3.xml><?xml version="1.0" encoding="utf-8"?>
+<file path=ppt/slides/slide16.xml><?xml version="1.0" encoding="utf-8"?>
 <p:sld xmlns:r="http://schemas.openxmlformats.org/officeDocument/2006/relationships" xmlns:c="http://schemas.openxmlformats.org/drawingml/2006/chart" xmlns:a="http://schemas.openxmlformats.org/drawingml/2006/main" xmlns:dgm="http://schemas.openxmlformats.org/drawingml/2006/diagram" xmlns:dsp="http://schemas.microsoft.com/office/drawing/2008/diagram" xmlns:p="http://schemas.openxmlformats.org/presentationml/2006/main">
   <p:cSld>
     <p:spTree>
@@ -3505,7 +4558,7 @@
         </p:blipFill>
         <p:spPr>
           <a:xfrm>
-            <a:off x="609599" y="1730772"/>
+            <a:off x="2438082" y="746521"/>
             <a:ext cx="7315834" cy="3924640"/>
           </a:xfrm>
           <a:prstGeom prst="rect">
@@ -3521,8 +4574,8 @@
         </p:nvSpPr>
         <p:spPr>
           <a:xfrm>
-            <a:off x="8455600" y="1730772"/>
-            <a:ext cx="3610495" cy="3828344"/>
+            <a:off x="0" y="4671161"/>
+            <a:ext cx="12192000" cy="2186839"/>
           </a:xfrm>
           <a:prstGeom prst="rect">
             <a:avLst/>
@@ -3530,7 +4583,7 @@
         </p:spPr>
         <p:txBody>
           <a:bodyPr wrap="none">
-            <a:normAutofit/>
+            <a:normAutofit lnSpcReduction="10000"/>
           </a:bodyPr>
           <a:lstStyle/>
           <a:p>
@@ -3559,17 +4612,7 @@
             </a:r>
             <a:r>
               <a:rPr lang="ko-KR" altLang="en-US"/>
-              <a:t>를 </a:t>
-            </a:r>
-            <a:endParaRPr lang="ko-KR" altLang="en-US"/>
-          </a:p>
-          <a:p>
-            <a:pPr>
-              <a:defRPr/>
-            </a:pPr>
-            <a:r>
-              <a:rPr lang="ko-KR" altLang="en-US"/>
-              <a:t>생성했다면 </a:t>
+              <a:t>를 생성했다면 </a:t>
             </a:r>
             <a:r>
               <a:rPr lang="en-US" altLang="ko-KR"/>
@@ -3623,17 +4666,15 @@
               <a:rPr lang="en-US" altLang="ko-KR"/>
               <a:t>id_rsa</a:t>
             </a:r>
+            <a:r>
+              <a:rPr lang="ko-KR" altLang="en-US"/>
+              <a:t>파일 존재 한다</a:t>
+            </a:r>
+            <a:r>
+              <a:rPr lang="en-US" altLang="ko-KR"/>
+              <a:t>.</a:t>
+            </a:r>
             <a:endParaRPr lang="en-US" altLang="ko-KR"/>
-          </a:p>
-          <a:p>
-            <a:pPr>
-              <a:defRPr/>
-            </a:pPr>
-            <a:r>
-              <a:rPr lang="ko-KR" altLang="en-US"/>
-              <a:t>파일 존재</a:t>
-            </a:r>
-            <a:endParaRPr lang="ko-KR" altLang="en-US"/>
           </a:p>
           <a:p>
             <a:pPr>
@@ -3677,17 +4718,15 @@
               <a:rPr lang="en-US" altLang="ko-KR"/>
               <a:t>key</a:t>
             </a:r>
+            <a:r>
+              <a:rPr lang="ko-KR" altLang="en-US"/>
+              <a:t>값을 볼 수 있다</a:t>
+            </a:r>
+            <a:r>
+              <a:rPr lang="en-US" altLang="ko-KR"/>
+              <a:t>.</a:t>
+            </a:r>
             <a:endParaRPr lang="en-US" altLang="ko-KR"/>
-          </a:p>
-          <a:p>
-            <a:pPr>
-              <a:defRPr/>
-            </a:pPr>
-            <a:r>
-              <a:rPr lang="ko-KR" altLang="en-US"/>
-              <a:t>값을 볼 수 있음</a:t>
-            </a:r>
-            <a:endParaRPr lang="ko-KR" altLang="en-US"/>
           </a:p>
           <a:p>
             <a:pPr>
@@ -3725,17 +4764,7 @@
             </a:r>
             <a:r>
               <a:rPr lang="ko-KR" altLang="en-US"/>
-              <a:t>페이지로</a:t>
-            </a:r>
-            <a:endParaRPr lang="ko-KR" altLang="en-US"/>
-          </a:p>
-          <a:p>
-            <a:pPr>
-              <a:defRPr/>
-            </a:pPr>
-            <a:r>
-              <a:rPr lang="ko-KR" altLang="en-US"/>
-              <a:t>이동</a:t>
+              <a:t>페이지로 이동</a:t>
             </a:r>
             <a:endParaRPr lang="ko-KR" altLang="en-US"/>
           </a:p>
@@ -3757,7 +4786,7 @@
 </p:sld>
 </file>
 
-<file path=ppt/slides/slide4.xml><?xml version="1.0" encoding="utf-8"?>
+<file path=ppt/slides/slide17.xml><?xml version="1.0" encoding="utf-8"?>
 <p:sld xmlns:r="http://schemas.openxmlformats.org/officeDocument/2006/relationships" xmlns:c="http://schemas.openxmlformats.org/drawingml/2006/chart" xmlns:a="http://schemas.openxmlformats.org/drawingml/2006/main" xmlns:dgm="http://schemas.openxmlformats.org/drawingml/2006/diagram" xmlns:dsp="http://schemas.microsoft.com/office/drawing/2008/diagram" xmlns:p="http://schemas.openxmlformats.org/presentationml/2006/main">
   <p:cSld>
     <p:spTree>
@@ -3792,7 +4821,7 @@
         </p:blipFill>
         <p:spPr>
           <a:xfrm>
-            <a:off x="609598" y="1427163"/>
+            <a:off x="1339847" y="723750"/>
             <a:ext cx="3515389" cy="3791178"/>
           </a:xfrm>
           <a:prstGeom prst="rect">
@@ -3808,8 +4837,8 @@
         </p:nvSpPr>
         <p:spPr>
           <a:xfrm>
-            <a:off x="8269777" y="2598445"/>
-            <a:ext cx="3922222" cy="2183398"/>
+            <a:off x="0" y="4674602"/>
+            <a:ext cx="12192000" cy="2183398"/>
           </a:xfrm>
           <a:prstGeom prst="rect">
             <a:avLst/>
@@ -3878,27 +4907,37 @@
             </a:r>
             <a:r>
               <a:rPr lang="ko-KR" altLang="en-US"/>
-              <a:t>값의 이름 입력 후</a:t>
-            </a:r>
-            <a:endParaRPr lang="ko-KR" altLang="en-US"/>
-          </a:p>
-          <a:p>
-            <a:pPr>
-              <a:defRPr/>
-            </a:pPr>
+              <a:t>값의 이름 입력 후 </a:t>
+            </a:r>
+            <a:r>
+              <a:rPr lang="en-US" altLang="ko-KR"/>
+              <a:t>SSH key</a:t>
+            </a:r>
+            <a:r>
+              <a:rPr lang="ko-KR" altLang="en-US"/>
+              <a:t>값을 추가하면 </a:t>
+            </a:r>
+            <a:r>
+              <a:rPr lang="en-US" altLang="ko-KR"/>
+              <a:t>SSH</a:t>
+            </a:r>
             <a:r>
               <a:rPr lang="ko-KR" altLang="en-US"/>
               <a:t> </a:t>
             </a:r>
             <a:r>
               <a:rPr lang="en-US" altLang="ko-KR"/>
-              <a:t>SSH key</a:t>
+              <a:t>key</a:t>
             </a:r>
             <a:r>
               <a:rPr lang="ko-KR" altLang="en-US"/>
-              <a:t>값을 추가</a:t>
-            </a:r>
-            <a:endParaRPr lang="ko-KR" altLang="en-US"/>
+              <a:t>의 등록이 완료된다</a:t>
+            </a:r>
+            <a:r>
+              <a:rPr lang="en-US" altLang="ko-KR"/>
+              <a:t>.</a:t>
+            </a:r>
+            <a:endParaRPr lang="en-US" altLang="ko-KR"/>
           </a:p>
         </p:txBody>
       </p:sp>
@@ -3918,7 +4957,7 @@
         </p:blipFill>
         <p:spPr>
           <a:xfrm>
-            <a:off x="4551883" y="1512516"/>
+            <a:off x="6501142" y="681962"/>
             <a:ext cx="3537269" cy="3832966"/>
           </a:xfrm>
           <a:prstGeom prst="rect">
@@ -3942,7 +4981,450 @@
 </p:sld>
 </file>
 
-<file path=ppt/slides/slide5.xml><?xml version="1.0" encoding="utf-8"?>
+<file path=ppt/slides/slide18.xml><?xml version="1.0" encoding="utf-8"?>
+<p:sld xmlns:r="http://schemas.openxmlformats.org/officeDocument/2006/relationships" xmlns:c="http://schemas.openxmlformats.org/drawingml/2006/chart" xmlns:a="http://schemas.openxmlformats.org/drawingml/2006/main" xmlns:dgm="http://schemas.openxmlformats.org/drawingml/2006/diagram" xmlns:dsp="http://schemas.microsoft.com/office/drawing/2008/diagram" xmlns:p="http://schemas.openxmlformats.org/presentationml/2006/main">
+  <p:cSld>
+    <p:spTree>
+      <p:nvGrpSpPr>
+        <p:cNvPr id="1" name=""/>
+        <p:cNvGrpSpPr/>
+        <p:nvPr/>
+      </p:nvGrpSpPr>
+      <p:grpSpPr>
+        <a:xfrm>
+          <a:off x="0" y="0"/>
+          <a:ext cx="0" cy="0"/>
+          <a:chOff x="0" y="0"/>
+          <a:chExt cx="0" cy="0"/>
+        </a:xfrm>
+      </p:grpSpPr>
+      <p:sp>
+        <p:nvSpPr>
+          <p:cNvPr id="4" name=""/>
+          <p:cNvSpPr/>
+          <p:nvPr/>
+        </p:nvSpPr>
+        <p:spPr>
+          <a:xfrm>
+            <a:off x="0" y="558615"/>
+            <a:ext cx="12192000" cy="914400"/>
+          </a:xfrm>
+          <a:prstGeom prst="rect">
+            <a:avLst/>
+          </a:prstGeom>
+        </p:spPr>
+        <p:style>
+          <a:lnRef idx="2">
+            <a:schemeClr val="accent1">
+              <a:shade val="20000"/>
+            </a:schemeClr>
+          </a:lnRef>
+          <a:fillRef idx="1">
+            <a:schemeClr val="accent1"/>
+          </a:fillRef>
+          <a:effectRef idx="0">
+            <a:schemeClr val="accent1"/>
+          </a:effectRef>
+          <a:fontRef idx="minor">
+            <a:schemeClr val="lt1"/>
+          </a:fontRef>
+        </p:style>
+        <p:txBody>
+          <a:bodyPr anchor="ctr"/>
+          <a:p>
+            <a:pPr algn="ctr">
+              <a:defRPr/>
+            </a:pPr>
+            <a:r>
+              <a:rPr lang="en-US" altLang="ko-KR" sz="2400"/>
+              <a:t>Git </a:t>
+            </a:r>
+            <a:r>
+              <a:rPr lang="ko-KR" altLang="en-US" sz="2400"/>
+              <a:t>기본 명령어</a:t>
+            </a:r>
+            <a:endParaRPr lang="ko-KR" altLang="en-US" sz="2400"/>
+          </a:p>
+        </p:txBody>
+      </p:sp>
+      <p:sp>
+        <p:nvSpPr>
+          <p:cNvPr id="6" name="내용 개체 틀 2"/>
+          <p:cNvSpPr>
+            <a:spLocks noGrp="1"/>
+          </p:cNvSpPr>
+          <p:nvPr>
+            <p:ph idx="1"/>
+          </p:nvPr>
+        </p:nvSpPr>
+        <p:spPr>
+          <a:xfrm>
+            <a:off x="609599" y="1600200"/>
+            <a:ext cx="10972798" cy="4525963"/>
+          </a:xfrm>
+        </p:spPr>
+        <p:txBody>
+          <a:bodyPr vert="horz" lIns="91440" tIns="45720" rIns="91440" bIns="45720">
+            <a:normAutofit fontScale="70000" lnSpcReduction="20000"/>
+          </a:bodyPr>
+          <a:lstStyle/>
+          <a:p>
+            <a:pPr>
+              <a:defRPr/>
+            </a:pPr>
+            <a:r>
+              <a:rPr lang="en-US" altLang="ko-KR">
+                <a:solidFill>
+                  <a:schemeClr val="dk1"/>
+                </a:solidFill>
+              </a:rPr>
+              <a:t>clone</a:t>
+            </a:r>
+            <a:endParaRPr lang="en-US" altLang="ko-KR">
+              <a:solidFill>
+                <a:schemeClr val="dk1"/>
+              </a:solidFill>
+            </a:endParaRPr>
+          </a:p>
+          <a:p>
+            <a:pPr marL="0" indent="0">
+              <a:buNone/>
+              <a:defRPr/>
+            </a:pPr>
+            <a:r>
+              <a:rPr lang="en-US" altLang="ko-KR">
+                <a:solidFill>
+                  <a:schemeClr val="dk1"/>
+                </a:solidFill>
+              </a:rPr>
+              <a:t> - </a:t>
+            </a:r>
+            <a:r>
+              <a:rPr lang="ko-KR" altLang="en-US">
+                <a:solidFill>
+                  <a:schemeClr val="dk1"/>
+                </a:solidFill>
+              </a:rPr>
+              <a:t>저장소의 내용을 복제</a:t>
+            </a:r>
+            <a:endParaRPr lang="ko-KR" altLang="en-US">
+              <a:solidFill>
+                <a:schemeClr val="dk1"/>
+              </a:solidFill>
+            </a:endParaRPr>
+          </a:p>
+          <a:p>
+            <a:pPr>
+              <a:defRPr/>
+            </a:pPr>
+            <a:r>
+              <a:rPr lang="en-US" altLang="ko-KR">
+                <a:solidFill>
+                  <a:schemeClr val="dk1"/>
+                </a:solidFill>
+              </a:rPr>
+              <a:t>init</a:t>
+            </a:r>
+            <a:endParaRPr lang="ko-KR" altLang="en-US">
+              <a:solidFill>
+                <a:schemeClr val="dk1"/>
+              </a:solidFill>
+            </a:endParaRPr>
+          </a:p>
+          <a:p>
+            <a:pPr marL="0" indent="0">
+              <a:buNone/>
+              <a:defRPr/>
+            </a:pPr>
+            <a:r>
+              <a:rPr lang="ko-KR" altLang="en-US">
+                <a:solidFill>
+                  <a:schemeClr val="dk1"/>
+                </a:solidFill>
+              </a:rPr>
+              <a:t> </a:t>
+            </a:r>
+            <a:r>
+              <a:rPr lang="en-US" altLang="ko-KR">
+                <a:solidFill>
+                  <a:schemeClr val="dk1"/>
+                </a:solidFill>
+              </a:rPr>
+              <a:t>-</a:t>
+            </a:r>
+            <a:r>
+              <a:rPr lang="ko-KR" altLang="en-US">
+                <a:solidFill>
+                  <a:schemeClr val="dk1"/>
+                </a:solidFill>
+              </a:rPr>
+              <a:t> 새로운 </a:t>
+            </a:r>
+            <a:r>
+              <a:rPr lang="en-US" altLang="ko-KR">
+                <a:solidFill>
+                  <a:schemeClr val="dk1"/>
+                </a:solidFill>
+              </a:rPr>
+              <a:t>git</a:t>
+            </a:r>
+            <a:r>
+              <a:rPr lang="ko-KR" altLang="en-US">
+                <a:solidFill>
+                  <a:schemeClr val="dk1"/>
+                </a:solidFill>
+              </a:rPr>
+              <a:t> 저장소 생성</a:t>
+            </a:r>
+            <a:endParaRPr lang="ko-KR" altLang="en-US">
+              <a:solidFill>
+                <a:schemeClr val="dk1"/>
+              </a:solidFill>
+            </a:endParaRPr>
+          </a:p>
+          <a:p>
+            <a:pPr>
+              <a:defRPr/>
+            </a:pPr>
+            <a:r>
+              <a:rPr lang="en-US" altLang="ko-KR">
+                <a:solidFill>
+                  <a:schemeClr val="dk1"/>
+                </a:solidFill>
+              </a:rPr>
+              <a:t>pull</a:t>
+            </a:r>
+            <a:endParaRPr lang="en-US" altLang="ko-KR">
+              <a:solidFill>
+                <a:schemeClr val="dk1"/>
+              </a:solidFill>
+            </a:endParaRPr>
+          </a:p>
+          <a:p>
+            <a:pPr marL="0" indent="0">
+              <a:buNone/>
+              <a:defRPr/>
+            </a:pPr>
+            <a:r>
+              <a:rPr lang="en-US" altLang="ko-KR">
+                <a:solidFill>
+                  <a:schemeClr val="dk1"/>
+                </a:solidFill>
+              </a:rPr>
+              <a:t> - push</a:t>
+            </a:r>
+            <a:r>
+              <a:rPr lang="ko-KR" altLang="en-US">
+                <a:solidFill>
+                  <a:schemeClr val="dk1"/>
+                </a:solidFill>
+              </a:rPr>
+              <a:t>와 반대로 원격 저장소에 있는 내용 중 로컬 저장소에 반영되지 않은 내용을 가져와서 로컬 저장소에 저장</a:t>
+            </a:r>
+            <a:endParaRPr lang="ko-KR" altLang="en-US">
+              <a:solidFill>
+                <a:schemeClr val="dk1"/>
+              </a:solidFill>
+            </a:endParaRPr>
+          </a:p>
+          <a:p>
+            <a:pPr>
+              <a:defRPr/>
+            </a:pPr>
+            <a:r>
+              <a:rPr lang="en-US" altLang="ko-KR">
+                <a:solidFill>
+                  <a:schemeClr val="dk1"/>
+                </a:solidFill>
+              </a:rPr>
+              <a:t>add</a:t>
+            </a:r>
+            <a:endParaRPr lang="en-US" altLang="ko-KR">
+              <a:solidFill>
+                <a:schemeClr val="dk1"/>
+              </a:solidFill>
+            </a:endParaRPr>
+          </a:p>
+          <a:p>
+            <a:pPr marL="0" indent="0">
+              <a:buNone/>
+              <a:defRPr/>
+            </a:pPr>
+            <a:r>
+              <a:rPr lang="ko-KR" altLang="en-US">
+                <a:solidFill>
+                  <a:schemeClr val="dk1"/>
+                </a:solidFill>
+              </a:rPr>
+              <a:t> </a:t>
+            </a:r>
+            <a:r>
+              <a:rPr lang="en-US" altLang="ko-KR">
+                <a:solidFill>
+                  <a:schemeClr val="dk1"/>
+                </a:solidFill>
+              </a:rPr>
+              <a:t>-</a:t>
+            </a:r>
+            <a:r>
+              <a:rPr lang="ko-KR" altLang="en-US">
+                <a:solidFill>
+                  <a:schemeClr val="dk1"/>
+                </a:solidFill>
+              </a:rPr>
+              <a:t> 변경된 파일을 인덱스에 추가하는 과정</a:t>
+            </a:r>
+            <a:endParaRPr lang="ko-KR" altLang="en-US">
+              <a:solidFill>
+                <a:schemeClr val="dk1"/>
+              </a:solidFill>
+            </a:endParaRPr>
+          </a:p>
+          <a:p>
+            <a:pPr>
+              <a:defRPr/>
+            </a:pPr>
+            <a:r>
+              <a:rPr lang="en-US" altLang="ko-KR">
+                <a:solidFill>
+                  <a:schemeClr val="dk1"/>
+                </a:solidFill>
+              </a:rPr>
+              <a:t>commit</a:t>
+            </a:r>
+            <a:endParaRPr lang="en-US" altLang="ko-KR">
+              <a:solidFill>
+                <a:schemeClr val="dk1"/>
+              </a:solidFill>
+            </a:endParaRPr>
+          </a:p>
+          <a:p>
+            <a:pPr marL="0" indent="0">
+              <a:buNone/>
+              <a:defRPr/>
+            </a:pPr>
+            <a:r>
+              <a:rPr lang="ko-KR" altLang="en-US">
+                <a:solidFill>
+                  <a:schemeClr val="dk1"/>
+                </a:solidFill>
+              </a:rPr>
+              <a:t> </a:t>
+            </a:r>
+            <a:r>
+              <a:rPr lang="en-US" altLang="ko-KR">
+                <a:solidFill>
+                  <a:schemeClr val="dk1"/>
+                </a:solidFill>
+              </a:rPr>
+              <a:t>-</a:t>
+            </a:r>
+            <a:r>
+              <a:rPr lang="ko-KR" altLang="en-US">
+                <a:solidFill>
+                  <a:schemeClr val="dk1"/>
+                </a:solidFill>
+              </a:rPr>
+              <a:t> 작업한 내용을 로컬 저장소에 저장하는 과정</a:t>
+            </a:r>
+            <a:endParaRPr lang="ko-KR" altLang="en-US">
+              <a:solidFill>
+                <a:schemeClr val="dk1"/>
+              </a:solidFill>
+            </a:endParaRPr>
+          </a:p>
+          <a:p>
+            <a:pPr>
+              <a:defRPr/>
+            </a:pPr>
+            <a:r>
+              <a:rPr lang="en-US" altLang="ko-KR">
+                <a:solidFill>
+                  <a:schemeClr val="dk1"/>
+                </a:solidFill>
+              </a:rPr>
+              <a:t>push</a:t>
+            </a:r>
+            <a:endParaRPr lang="en-US" altLang="ko-KR">
+              <a:solidFill>
+                <a:schemeClr val="dk1"/>
+              </a:solidFill>
+            </a:endParaRPr>
+          </a:p>
+          <a:p>
+            <a:pPr marL="0" indent="0">
+              <a:buNone/>
+              <a:defRPr/>
+            </a:pPr>
+            <a:r>
+              <a:rPr lang="ko-KR" altLang="en-US">
+                <a:solidFill>
+                  <a:schemeClr val="dk1"/>
+                </a:solidFill>
+              </a:rPr>
+              <a:t> </a:t>
+            </a:r>
+            <a:r>
+              <a:rPr lang="en-US" altLang="ko-KR">
+                <a:solidFill>
+                  <a:schemeClr val="dk1"/>
+                </a:solidFill>
+              </a:rPr>
+              <a:t>-</a:t>
+            </a:r>
+            <a:r>
+              <a:rPr lang="ko-KR" altLang="en-US">
+                <a:solidFill>
+                  <a:schemeClr val="dk1"/>
+                </a:solidFill>
+              </a:rPr>
+              <a:t> 로컬 저장소의 내용 중 원격 저장소에 반영되지 않은 커밋을 원격 저장소로 보내는 과정</a:t>
+            </a:r>
+            <a:endParaRPr lang="ko-KR" altLang="en-US">
+              <a:solidFill>
+                <a:schemeClr val="dk1"/>
+              </a:solidFill>
+            </a:endParaRPr>
+          </a:p>
+          <a:p>
+            <a:pPr>
+              <a:defRPr/>
+            </a:pPr>
+            <a:endParaRPr lang="en-US" altLang="ko-KR">
+              <a:solidFill>
+                <a:srgbClr val="ff843a"/>
+              </a:solidFill>
+            </a:endParaRPr>
+          </a:p>
+          <a:p>
+            <a:pPr>
+              <a:defRPr/>
+            </a:pPr>
+            <a:endParaRPr lang="ko-KR" altLang="en-US">
+              <a:solidFill>
+                <a:srgbClr val="ff843a"/>
+              </a:solidFill>
+            </a:endParaRPr>
+          </a:p>
+        </p:txBody>
+      </p:sp>
+    </p:spTree>
+  </p:cSld>
+  <p:clrMapOvr>
+    <a:masterClrMapping/>
+  </p:clrMapOvr>
+  <mc:AlternateContent xmlns:mc="http://schemas.openxmlformats.org/markup-compatibility/2006">
+    <mc:Choice xmlns:p14="http://schemas.microsoft.com/office/powerpoint/2010/main" Requires="p14">
+      <p:transition xmlns:mc="http://schemas.openxmlformats.org/markup-compatibility/2006" xmlns:p14="http://schemas.microsoft.com/office/powerpoint/2010/main" mc:Ignorable="p14" p14:dur="500"/>
+    </mc:Choice>
+    <mc:Fallback>
+      <p:transition/>
+    </mc:Fallback>
+  </mc:AlternateContent>
+</p:sld>
+</file>
+
+<file path=ppt/slides/slide19.xml><?xml version="1.0" encoding="utf-8"?>
 <p:sld xmlns:r="http://schemas.openxmlformats.org/officeDocument/2006/relationships" xmlns:c="http://schemas.openxmlformats.org/drawingml/2006/chart" xmlns:a="http://schemas.openxmlformats.org/drawingml/2006/main" xmlns:dgm="http://schemas.openxmlformats.org/drawingml/2006/diagram" xmlns:dsp="http://schemas.microsoft.com/office/drawing/2008/diagram" xmlns:p="http://schemas.openxmlformats.org/presentationml/2006/main">
   <p:cSld>
     <p:spTree>
@@ -4390,7 +5872,294 @@
 </p:sld>
 </file>
 
-<file path=ppt/slides/slide6.xml><?xml version="1.0" encoding="utf-8"?>
+<file path=ppt/slides/slide2.xml><?xml version="1.0" encoding="utf-8"?>
+<p:sld xmlns:r="http://schemas.openxmlformats.org/officeDocument/2006/relationships" xmlns:c="http://schemas.openxmlformats.org/drawingml/2006/chart" xmlns:a="http://schemas.openxmlformats.org/drawingml/2006/main" xmlns:dgm="http://schemas.openxmlformats.org/drawingml/2006/diagram" xmlns:dsp="http://schemas.microsoft.com/office/drawing/2008/diagram" xmlns:p="http://schemas.openxmlformats.org/presentationml/2006/main">
+  <p:cSld>
+    <p:spTree>
+      <p:nvGrpSpPr>
+        <p:cNvPr id="1" name=""/>
+        <p:cNvGrpSpPr/>
+        <p:nvPr/>
+      </p:nvGrpSpPr>
+      <p:grpSpPr>
+        <a:xfrm>
+          <a:off x="0" y="0"/>
+          <a:ext cx="0" cy="0"/>
+          <a:chOff x="0" y="0"/>
+          <a:chExt cx="0" cy="0"/>
+        </a:xfrm>
+      </p:grpSpPr>
+      <p:sp>
+        <p:nvSpPr>
+          <p:cNvPr id="5" name=""/>
+          <p:cNvSpPr/>
+          <p:nvPr/>
+        </p:nvSpPr>
+        <p:spPr>
+          <a:xfrm>
+            <a:off x="213612" y="437264"/>
+            <a:ext cx="11978388" cy="914400"/>
+          </a:xfrm>
+          <a:prstGeom prst="rect">
+            <a:avLst/>
+          </a:prstGeom>
+        </p:spPr>
+        <p:style>
+          <a:lnRef idx="2">
+            <a:schemeClr val="accent1">
+              <a:shade val="20000"/>
+            </a:schemeClr>
+          </a:lnRef>
+          <a:fillRef idx="1">
+            <a:schemeClr val="accent1"/>
+          </a:fillRef>
+          <a:effectRef idx="0">
+            <a:schemeClr val="accent1"/>
+          </a:effectRef>
+          <a:fontRef idx="minor">
+            <a:schemeClr val="lt1"/>
+          </a:fontRef>
+        </p:style>
+        <p:txBody>
+          <a:bodyPr anchor="ctr"/>
+          <a:lstStyle/>
+          <a:p>
+            <a:pPr algn="ctr">
+              <a:defRPr/>
+            </a:pPr>
+            <a:r>
+              <a:rPr lang="en-US" altLang="ko-KR" sz="2400"/>
+              <a:t>Git </a:t>
+            </a:r>
+            <a:r>
+              <a:rPr lang="ko-KR" altLang="en-US" sz="2400"/>
+              <a:t>설치과정</a:t>
+            </a:r>
+            <a:endParaRPr lang="ko-KR" altLang="en-US" sz="2400"/>
+          </a:p>
+        </p:txBody>
+      </p:sp>
+      <p:sp>
+        <p:nvSpPr>
+          <p:cNvPr id="6" name="내용 개체 틀 2"/>
+          <p:cNvSpPr>
+            <a:spLocks noGrp="1"/>
+          </p:cNvSpPr>
+          <p:nvPr>
+            <p:ph idx="1"/>
+          </p:nvPr>
+        </p:nvSpPr>
+        <p:spPr>
+          <a:xfrm>
+            <a:off x="0" y="1600200"/>
+            <a:ext cx="12192000" cy="4525963"/>
+          </a:xfrm>
+        </p:spPr>
+        <p:txBody>
+          <a:bodyPr vert="horz" lIns="91440" tIns="45720" rIns="91440" bIns="45720">
+            <a:normAutofit/>
+          </a:bodyPr>
+          <a:lstStyle/>
+          <a:p>
+            <a:pPr>
+              <a:defRPr/>
+            </a:pPr>
+            <a:r>
+              <a:rPr lang="ko-KR" altLang="en-US" sz="1800"/>
+              <a:t>설치 과정에 앞서 </a:t>
+            </a:r>
+            <a:r>
+              <a:rPr lang="en-US" altLang="ko-KR" sz="1800"/>
+              <a:t>Git</a:t>
+            </a:r>
+            <a:r>
+              <a:rPr lang="ko-KR" altLang="en-US" sz="1800"/>
+              <a:t>이란</a:t>
+            </a:r>
+            <a:r>
+              <a:rPr lang="en-US" altLang="ko-KR" sz="1800"/>
+              <a:t>?</a:t>
+            </a:r>
+            <a:endParaRPr lang="en-US" altLang="ko-KR" sz="1800"/>
+          </a:p>
+          <a:p>
+            <a:pPr marL="0" indent="0">
+              <a:buNone/>
+              <a:defRPr/>
+            </a:pPr>
+            <a:r>
+              <a:rPr lang="ko-KR" altLang="en-US" sz="1800"/>
+              <a:t>    </a:t>
+            </a:r>
+            <a:r>
+              <a:rPr lang="en-US" altLang="ko-KR" sz="1800"/>
+              <a:t>-</a:t>
+            </a:r>
+            <a:r>
+              <a:rPr lang="ko-KR" altLang="en-US" sz="1800"/>
+              <a:t> VCS(Version Control System)의 한 종류로, 버전에 대한 변화들을 관리해주는 시스템</a:t>
+            </a:r>
+            <a:endParaRPr lang="ko-KR" altLang="en-US" sz="1800"/>
+          </a:p>
+          <a:p>
+            <a:pPr marL="0" indent="0">
+              <a:buNone/>
+              <a:defRPr/>
+            </a:pPr>
+            <a:r>
+              <a:rPr lang="ko-KR" altLang="en-US" sz="1800"/>
+              <a:t>  </a:t>
+            </a:r>
+            <a:endParaRPr lang="ko-KR" altLang="en-US" sz="1800"/>
+          </a:p>
+          <a:p>
+            <a:pPr>
+              <a:defRPr/>
+            </a:pPr>
+            <a:r>
+              <a:rPr lang="en-US" altLang="ko-KR" sz="1800"/>
+              <a:t>Git</a:t>
+            </a:r>
+            <a:r>
+              <a:rPr lang="ko-KR" altLang="en-US" sz="1800"/>
+              <a:t>의 이점</a:t>
+            </a:r>
+            <a:endParaRPr lang="ko-KR" altLang="en-US" sz="1800"/>
+          </a:p>
+          <a:p>
+            <a:pPr marL="0" indent="0">
+              <a:buNone/>
+              <a:defRPr/>
+            </a:pPr>
+            <a:r>
+              <a:rPr lang="ko-KR" altLang="en-US" sz="1800"/>
+              <a:t> </a:t>
+            </a:r>
+            <a:r>
+              <a:rPr lang="en-US" altLang="ko-KR" sz="1800"/>
+              <a:t>1.</a:t>
+            </a:r>
+            <a:r>
+              <a:rPr lang="ko-KR" altLang="en-US" sz="1800"/>
+              <a:t>  동시개발</a:t>
+            </a:r>
+            <a:endParaRPr lang="ko-KR" altLang="en-US" sz="1800"/>
+          </a:p>
+          <a:p>
+            <a:pPr marL="0" indent="0">
+              <a:buNone/>
+              <a:defRPr/>
+            </a:pPr>
+            <a:r>
+              <a:rPr lang="ko-KR" altLang="en-US" sz="1800"/>
+              <a:t> └ </a:t>
+            </a:r>
+            <a:r>
+              <a:rPr lang="en-US" altLang="ko-KR" sz="1800"/>
+              <a:t>Git</a:t>
+            </a:r>
+            <a:r>
+              <a:rPr lang="ko-KR" altLang="en-US" sz="1800"/>
+              <a:t>을 사용 함으로써 모든 사용자는 고유한 로컬 코드 복사본을 가지고 있으며 자신의 분기에서 동시에 작업할 수 있음.</a:t>
+            </a:r>
+            <a:endParaRPr lang="ko-KR" altLang="en-US" sz="1800"/>
+          </a:p>
+          <a:p>
+            <a:pPr marL="0" indent="0">
+              <a:buNone/>
+              <a:defRPr/>
+            </a:pPr>
+            <a:r>
+              <a:rPr lang="en-US" altLang="ko-KR" sz="1800"/>
+              <a:t>2.</a:t>
+            </a:r>
+            <a:r>
+              <a:rPr lang="ko-KR" altLang="en-US" sz="1800"/>
+              <a:t> 더 빠른 릴리스</a:t>
+            </a:r>
+            <a:endParaRPr lang="ko-KR" altLang="en-US" sz="1800"/>
+          </a:p>
+          <a:p>
+            <a:pPr marL="0" indent="0">
+              <a:buNone/>
+              <a:defRPr/>
+            </a:pPr>
+            <a:r>
+              <a:rPr lang="ko-KR" altLang="en-US" sz="1800"/>
+              <a:t> └ 진행 중인 개발에서 릴리스 분기를 분리하여 안정적인 코드를 관리하고 업데이트를 보다 신속하게 제공하는 것이 더 쉽다</a:t>
+            </a:r>
+            <a:r>
+              <a:rPr lang="en-US" altLang="ko-KR" sz="1800"/>
+              <a:t>.</a:t>
+            </a:r>
+            <a:endParaRPr lang="en-US" altLang="ko-KR" sz="1800"/>
+          </a:p>
+          <a:p>
+            <a:pPr marL="0" indent="0">
+              <a:buNone/>
+              <a:defRPr/>
+            </a:pPr>
+            <a:r>
+              <a:rPr lang="en-US" altLang="ko-KR" sz="1800"/>
+              <a:t>3.</a:t>
+            </a:r>
+            <a:r>
+              <a:rPr lang="ko-KR" altLang="en-US" sz="1800"/>
+              <a:t> 끌어오기 요청</a:t>
+            </a:r>
+            <a:endParaRPr lang="ko-KR" altLang="en-US" sz="1800"/>
+          </a:p>
+          <a:p>
+            <a:pPr marL="0" indent="0">
+              <a:buNone/>
+              <a:defRPr/>
+            </a:pPr>
+            <a:r>
+              <a:rPr lang="ko-KR" altLang="en-US" sz="1800"/>
+              <a:t> └ 끌어오기 요청을 사용하여 주 분기에 병합하기 전에 팀과 코드 변경 내용을 논의</a:t>
+            </a:r>
+            <a:endParaRPr lang="ko-KR" altLang="en-US" sz="1800"/>
+          </a:p>
+          <a:p>
+            <a:pPr marL="0" indent="0">
+              <a:buNone/>
+              <a:defRPr/>
+            </a:pPr>
+            <a:r>
+              <a:rPr lang="ko-KR" altLang="en-US" sz="1800"/>
+              <a:t> └ 끌어오기 요청에 대한 논의는 코드 품질을 보장하고 팀 전체의 지식을 높이는데 유용함</a:t>
+            </a:r>
+            <a:r>
+              <a:rPr lang="en-US" altLang="ko-KR" sz="1800"/>
+              <a:t>.</a:t>
+            </a:r>
+            <a:endParaRPr lang="ko-KR" altLang="en-US" sz="1800"/>
+          </a:p>
+          <a:p>
+            <a:pPr>
+              <a:defRPr/>
+            </a:pPr>
+            <a:endParaRPr lang="ko-KR" altLang="en-US" sz="1800"/>
+          </a:p>
+        </p:txBody>
+      </p:sp>
+    </p:spTree>
+  </p:cSld>
+  <p:clrMapOvr>
+    <a:masterClrMapping/>
+  </p:clrMapOvr>
+  <mc:AlternateContent xmlns:mc="http://schemas.openxmlformats.org/markup-compatibility/2006">
+    <mc:Choice xmlns:p14="http://schemas.microsoft.com/office/powerpoint/2010/main" Requires="p14">
+      <p:transition xmlns:mc="http://schemas.openxmlformats.org/markup-compatibility/2006" xmlns:p14="http://schemas.microsoft.com/office/powerpoint/2010/main" mc:Ignorable="p14" p14:dur="500"/>
+    </mc:Choice>
+    <mc:Fallback>
+      <p:transition/>
+    </mc:Fallback>
+  </mc:AlternateContent>
+</p:sld>
+</file>
+
+<file path=ppt/slides/slide20.xml><?xml version="1.0" encoding="utf-8"?>
 <p:sld xmlns:r="http://schemas.openxmlformats.org/officeDocument/2006/relationships" xmlns:c="http://schemas.openxmlformats.org/drawingml/2006/chart" xmlns:a="http://schemas.openxmlformats.org/drawingml/2006/main" xmlns:dgm="http://schemas.openxmlformats.org/drawingml/2006/diagram" xmlns:dsp="http://schemas.microsoft.com/office/drawing/2008/diagram" xmlns:p="http://schemas.openxmlformats.org/presentationml/2006/main">
   <p:cSld>
     <p:spTree>
@@ -4423,7 +6192,7 @@
         </p:blipFill>
         <p:spPr>
           <a:xfrm>
-            <a:off x="231321" y="2045969"/>
+            <a:off x="231321" y="2045968"/>
             <a:ext cx="7820153" cy="3820613"/>
           </a:xfrm>
           <a:prstGeom prst="rect">
@@ -4486,15 +6255,15 @@
         </p:nvSpPr>
         <p:spPr>
           <a:xfrm>
-            <a:off x="8312605" y="2889646"/>
-            <a:ext cx="3678282" cy="1733550"/>
+            <a:off x="8051474" y="2889646"/>
+            <a:ext cx="4256585" cy="2556749"/>
           </a:xfrm>
           <a:prstGeom prst="rect">
             <a:avLst/>
           </a:prstGeom>
         </p:spPr>
         <p:txBody>
-          <a:bodyPr wrap="none">
+          <a:bodyPr wrap="square">
             <a:spAutoFit/>
           </a:bodyPr>
           <a:p>
@@ -4576,6 +6345,3101 @@
               <a:t>진행하여 성공</a:t>
             </a:r>
             <a:endParaRPr lang="ko-KR" altLang="en-US"/>
+          </a:p>
+          <a:p>
+            <a:pPr>
+              <a:defRPr/>
+            </a:pPr>
+            <a:endParaRPr lang="ko-KR" altLang="en-US"/>
+          </a:p>
+          <a:p>
+            <a:pPr>
+              <a:defRPr/>
+            </a:pPr>
+            <a:r>
+              <a:rPr lang="en-US" altLang="ko-KR"/>
+              <a:t>git push origin</a:t>
+            </a:r>
+            <a:r>
+              <a:rPr lang="ko-KR" altLang="en-US"/>
+              <a:t>으로도 </a:t>
+            </a:r>
+            <a:r>
+              <a:rPr lang="en-US" altLang="ko-KR"/>
+              <a:t>push </a:t>
+            </a:r>
+            <a:r>
+              <a:rPr lang="ko-KR" altLang="en-US"/>
+              <a:t>가능</a:t>
+            </a:r>
+            <a:endParaRPr lang="ko-KR" altLang="en-US"/>
+          </a:p>
+          <a:p>
+            <a:pPr>
+              <a:defRPr/>
+            </a:pPr>
+            <a:r>
+              <a:rPr lang="en-US" altLang="ko-KR"/>
+              <a:t>-&gt; </a:t>
+            </a:r>
+            <a:r>
+              <a:rPr lang="ko-KR" altLang="en-US"/>
+              <a:t>저장소 이름이 달랐기 때문인 것 같음</a:t>
+            </a:r>
+            <a:endParaRPr lang="en-US" altLang="ko-KR"/>
+          </a:p>
+        </p:txBody>
+      </p:sp>
+    </p:spTree>
+  </p:cSld>
+  <p:clrMapOvr>
+    <a:masterClrMapping/>
+  </p:clrMapOvr>
+  <mc:AlternateContent xmlns:mc="http://schemas.openxmlformats.org/markup-compatibility/2006">
+    <mc:Choice xmlns:p14="http://schemas.microsoft.com/office/powerpoint/2010/main" Requires="p14">
+      <p:transition xmlns:mc="http://schemas.openxmlformats.org/markup-compatibility/2006" xmlns:p14="http://schemas.microsoft.com/office/powerpoint/2010/main" mc:Ignorable="p14" p14:dur="500"/>
+    </mc:Choice>
+    <mc:Fallback>
+      <p:transition/>
+    </mc:Fallback>
+  </mc:AlternateContent>
+</p:sld>
+</file>
+
+<file path=ppt/slides/slide3.xml><?xml version="1.0" encoding="utf-8"?>
+<p:sld xmlns:r="http://schemas.openxmlformats.org/officeDocument/2006/relationships" xmlns:c="http://schemas.openxmlformats.org/drawingml/2006/chart" xmlns:a="http://schemas.openxmlformats.org/drawingml/2006/main" xmlns:dgm="http://schemas.openxmlformats.org/drawingml/2006/diagram" xmlns:dsp="http://schemas.microsoft.com/office/drawing/2008/diagram" xmlns:p="http://schemas.openxmlformats.org/presentationml/2006/main">
+  <p:cSld>
+    <p:spTree>
+      <p:nvGrpSpPr>
+        <p:cNvPr id="1" name=""/>
+        <p:cNvGrpSpPr/>
+        <p:nvPr/>
+      </p:nvGrpSpPr>
+      <p:grpSpPr>
+        <a:xfrm>
+          <a:off x="0" y="0"/>
+          <a:ext cx="0" cy="0"/>
+          <a:chOff x="0" y="0"/>
+          <a:chExt cx="0" cy="0"/>
+        </a:xfrm>
+      </p:grpSpPr>
+      <p:pic>
+        <p:nvPicPr>
+          <p:cNvPr id="4" name=""/>
+          <p:cNvPicPr>
+            <a:picLocks noChangeAspect="1"/>
+          </p:cNvPicPr>
+          <p:nvPr/>
+        </p:nvPicPr>
+        <p:blipFill rotWithShape="1">
+          <a:blip r:embed="rId2"/>
+          <a:stretch>
+            <a:fillRect/>
+          </a:stretch>
+        </p:blipFill>
+        <p:spPr>
+          <a:xfrm>
+            <a:off x="1447668" y="343431"/>
+            <a:ext cx="8373797" cy="4496554"/>
+          </a:xfrm>
+          <a:prstGeom prst="rect">
+            <a:avLst/>
+          </a:prstGeom>
+        </p:spPr>
+      </p:pic>
+      <p:sp>
+        <p:nvSpPr>
+          <p:cNvPr id="5" name=""/>
+          <p:cNvSpPr/>
+          <p:nvPr/>
+        </p:nvSpPr>
+        <p:spPr>
+          <a:xfrm>
+            <a:off x="6602942" y="3736029"/>
+            <a:ext cx="1481666" cy="284805"/>
+          </a:xfrm>
+          <a:prstGeom prst="rect">
+            <a:avLst/>
+          </a:prstGeom>
+          <a:noFill/>
+          <a:ln w="38100">
+            <a:solidFill>
+              <a:srgbClr val="ff0000"/>
+            </a:solidFill>
+          </a:ln>
+        </p:spPr>
+        <p:style>
+          <a:lnRef idx="2">
+            <a:schemeClr val="accent1">
+              <a:shade val="20000"/>
+            </a:schemeClr>
+          </a:lnRef>
+          <a:fillRef idx="1">
+            <a:schemeClr val="accent1"/>
+          </a:fillRef>
+          <a:effectRef idx="0">
+            <a:schemeClr val="accent1"/>
+          </a:effectRef>
+          <a:fontRef idx="minor">
+            <a:schemeClr val="lt1"/>
+          </a:fontRef>
+        </p:style>
+        <p:txBody>
+          <a:bodyPr anchor="ctr"/>
+          <a:p>
+            <a:pPr algn="ctr">
+              <a:defRPr/>
+            </a:pPr>
+            <a:endParaRPr lang="ko-KR" altLang="en-US"/>
+          </a:p>
+        </p:txBody>
+      </p:sp>
+      <p:sp>
+        <p:nvSpPr>
+          <p:cNvPr id="6" name=""/>
+          <p:cNvSpPr/>
+          <p:nvPr/>
+        </p:nvSpPr>
+        <p:spPr>
+          <a:xfrm>
+            <a:off x="304800" y="4869696"/>
+            <a:ext cx="11582398" cy="1988303"/>
+          </a:xfrm>
+          <a:prstGeom prst="rect">
+            <a:avLst/>
+          </a:prstGeom>
+          <a:noFill/>
+          <a:ln>
+            <a:noFill/>
+          </a:ln>
+        </p:spPr>
+        <p:style>
+          <a:lnRef idx="2">
+            <a:schemeClr val="accent1">
+              <a:shade val="20000"/>
+            </a:schemeClr>
+          </a:lnRef>
+          <a:fillRef idx="1">
+            <a:schemeClr val="accent1"/>
+          </a:fillRef>
+          <a:effectRef idx="0">
+            <a:schemeClr val="accent1"/>
+          </a:effectRef>
+          <a:fontRef idx="minor">
+            <a:schemeClr val="lt1"/>
+          </a:fontRef>
+        </p:style>
+        <p:txBody>
+          <a:bodyPr anchor="ctr"/>
+          <a:p>
+            <a:pPr>
+              <a:defRPr/>
+            </a:pPr>
+            <a:r>
+              <a:rPr lang="en-US" altLang="ko-KR">
+                <a:solidFill>
+                  <a:schemeClr val="dk1"/>
+                </a:solidFill>
+              </a:rPr>
+              <a:t>Git</a:t>
+            </a:r>
+            <a:r>
+              <a:rPr lang="ko-KR" altLang="en-US">
+                <a:solidFill>
+                  <a:schemeClr val="dk1"/>
+                </a:solidFill>
+              </a:rPr>
+              <a:t>의 메인 화면</a:t>
+            </a:r>
+            <a:endParaRPr lang="ko-KR" altLang="en-US">
+              <a:solidFill>
+                <a:schemeClr val="dk1"/>
+              </a:solidFill>
+            </a:endParaRPr>
+          </a:p>
+          <a:p>
+            <a:pPr>
+              <a:defRPr/>
+            </a:pPr>
+            <a:r>
+              <a:rPr lang="en-US" altLang="ko-KR">
+                <a:solidFill>
+                  <a:schemeClr val="dk1"/>
+                </a:solidFill>
+              </a:rPr>
+              <a:t>https://git-scm.com/</a:t>
+            </a:r>
+            <a:endParaRPr lang="en-US" altLang="ko-KR">
+              <a:solidFill>
+                <a:schemeClr val="dk1"/>
+              </a:solidFill>
+            </a:endParaRPr>
+          </a:p>
+          <a:p>
+            <a:pPr>
+              <a:defRPr/>
+            </a:pPr>
+            <a:r>
+              <a:rPr lang="ko-KR" altLang="en-US">
+                <a:solidFill>
+                  <a:schemeClr val="dk1"/>
+                </a:solidFill>
+              </a:rPr>
+              <a:t>위 링크로 접속하여 붉은 체크박스의 다운로드 버튼을 눌러 파일을 다운받는다</a:t>
+            </a:r>
+            <a:r>
+              <a:rPr lang="en-US" altLang="ko-KR">
+                <a:solidFill>
+                  <a:schemeClr val="dk1"/>
+                </a:solidFill>
+              </a:rPr>
+              <a:t>.</a:t>
+            </a:r>
+            <a:r>
+              <a:rPr lang="ko-KR" altLang="en-US">
+                <a:solidFill>
+                  <a:schemeClr val="dk1"/>
+                </a:solidFill>
+              </a:rPr>
+              <a:t> </a:t>
+            </a:r>
+            <a:endParaRPr lang="ko-KR" altLang="en-US">
+              <a:solidFill>
+                <a:schemeClr val="dk1"/>
+              </a:solidFill>
+            </a:endParaRPr>
+          </a:p>
+        </p:txBody>
+      </p:sp>
+    </p:spTree>
+  </p:cSld>
+  <p:clrMapOvr>
+    <a:masterClrMapping/>
+  </p:clrMapOvr>
+  <mc:AlternateContent xmlns:mc="http://schemas.openxmlformats.org/markup-compatibility/2006">
+    <mc:Choice xmlns:p14="http://schemas.microsoft.com/office/powerpoint/2010/main" Requires="p14">
+      <p:transition xmlns:mc="http://schemas.openxmlformats.org/markup-compatibility/2006" xmlns:p14="http://schemas.microsoft.com/office/powerpoint/2010/main" mc:Ignorable="p14" p14:dur="500"/>
+    </mc:Choice>
+    <mc:Fallback>
+      <p:transition/>
+    </mc:Fallback>
+  </mc:AlternateContent>
+</p:sld>
+</file>
+
+<file path=ppt/slides/slide4.xml><?xml version="1.0" encoding="utf-8"?>
+<p:sld xmlns:r="http://schemas.openxmlformats.org/officeDocument/2006/relationships" xmlns:c="http://schemas.openxmlformats.org/drawingml/2006/chart" xmlns:a="http://schemas.openxmlformats.org/drawingml/2006/main" xmlns:dgm="http://schemas.openxmlformats.org/drawingml/2006/diagram" xmlns:dsp="http://schemas.microsoft.com/office/drawing/2008/diagram" xmlns:p="http://schemas.openxmlformats.org/presentationml/2006/main">
+  <p:cSld>
+    <p:spTree>
+      <p:nvGrpSpPr>
+        <p:cNvPr id="1" name=""/>
+        <p:cNvGrpSpPr/>
+        <p:nvPr/>
+      </p:nvGrpSpPr>
+      <p:grpSpPr>
+        <a:xfrm>
+          <a:off x="0" y="0"/>
+          <a:ext cx="0" cy="0"/>
+          <a:chOff x="0" y="0"/>
+          <a:chExt cx="0" cy="0"/>
+        </a:xfrm>
+      </p:grpSpPr>
+      <p:pic>
+        <p:nvPicPr>
+          <p:cNvPr id="4" name=""/>
+          <p:cNvPicPr>
+            <a:picLocks noChangeAspect="1"/>
+          </p:cNvPicPr>
+          <p:nvPr/>
+        </p:nvPicPr>
+        <p:blipFill rotWithShape="1">
+          <a:blip r:embed="rId2"/>
+          <a:stretch>
+            <a:fillRect/>
+          </a:stretch>
+        </p:blipFill>
+        <p:spPr>
+          <a:xfrm>
+            <a:off x="5573397" y="660269"/>
+            <a:ext cx="4450080" cy="3680460"/>
+          </a:xfrm>
+          <a:prstGeom prst="rect">
+            <a:avLst/>
+          </a:prstGeom>
+        </p:spPr>
+      </p:pic>
+      <p:pic>
+        <p:nvPicPr>
+          <p:cNvPr id="7" name=""/>
+          <p:cNvPicPr>
+            <a:picLocks noChangeAspect="1"/>
+          </p:cNvPicPr>
+          <p:nvPr/>
+        </p:nvPicPr>
+        <p:blipFill rotWithShape="1">
+          <a:blip r:embed="rId3"/>
+          <a:stretch>
+            <a:fillRect/>
+          </a:stretch>
+        </p:blipFill>
+        <p:spPr>
+          <a:xfrm>
+            <a:off x="317288" y="970019"/>
+            <a:ext cx="4329007" cy="3060960"/>
+          </a:xfrm>
+          <a:prstGeom prst="rect">
+            <a:avLst/>
+          </a:prstGeom>
+        </p:spPr>
+      </p:pic>
+      <p:sp>
+        <p:nvSpPr>
+          <p:cNvPr id="8" name=""/>
+          <p:cNvSpPr/>
+          <p:nvPr/>
+        </p:nvSpPr>
+        <p:spPr>
+          <a:xfrm>
+            <a:off x="9832976" y="1392049"/>
+            <a:ext cx="2359024" cy="4073901"/>
+          </a:xfrm>
+          <a:prstGeom prst="rect">
+            <a:avLst/>
+          </a:prstGeom>
+          <a:noFill/>
+          <a:ln>
+            <a:noFill/>
+          </a:ln>
+        </p:spPr>
+        <p:style>
+          <a:lnRef idx="2">
+            <a:schemeClr val="accent1">
+              <a:shade val="20000"/>
+            </a:schemeClr>
+          </a:lnRef>
+          <a:fillRef idx="1">
+            <a:schemeClr val="accent1"/>
+          </a:fillRef>
+          <a:effectRef idx="0">
+            <a:schemeClr val="accent1"/>
+          </a:effectRef>
+          <a:fontRef idx="minor">
+            <a:schemeClr val="lt1"/>
+          </a:fontRef>
+        </p:style>
+        <p:txBody>
+          <a:bodyPr anchor="ctr"/>
+          <a:lstStyle/>
+          <a:p>
+            <a:pPr algn="ctr">
+              <a:defRPr/>
+            </a:pPr>
+            <a:r>
+              <a:rPr lang="ko-KR" altLang="en-US">
+                <a:solidFill>
+                  <a:schemeClr val="dk1"/>
+                </a:solidFill>
+              </a:rPr>
+              <a:t> </a:t>
+            </a:r>
+            <a:r>
+              <a:rPr lang="en-US" altLang="ko-KR">
+                <a:solidFill>
+                  <a:schemeClr val="dk1"/>
+                </a:solidFill>
+              </a:rPr>
+              <a:t>-</a:t>
+            </a:r>
+            <a:r>
+              <a:rPr lang="ko-KR" altLang="en-US">
+                <a:solidFill>
+                  <a:schemeClr val="dk1"/>
+                </a:solidFill>
+              </a:rPr>
+              <a:t> </a:t>
+            </a:r>
+            <a:endParaRPr lang="ko-KR" altLang="en-US">
+              <a:solidFill>
+                <a:schemeClr val="dk1"/>
+              </a:solidFill>
+            </a:endParaRPr>
+          </a:p>
+        </p:txBody>
+      </p:sp>
+      <p:sp>
+        <p:nvSpPr>
+          <p:cNvPr id="10" name=""/>
+          <p:cNvSpPr/>
+          <p:nvPr/>
+        </p:nvSpPr>
+        <p:spPr>
+          <a:xfrm>
+            <a:off x="0" y="5236210"/>
+            <a:ext cx="12192000" cy="1621789"/>
+          </a:xfrm>
+          <a:prstGeom prst="rect">
+            <a:avLst/>
+          </a:prstGeom>
+          <a:noFill/>
+          <a:ln>
+            <a:noFill/>
+          </a:ln>
+        </p:spPr>
+        <p:style>
+          <a:lnRef idx="2">
+            <a:schemeClr val="accent1">
+              <a:shade val="20000"/>
+            </a:schemeClr>
+          </a:lnRef>
+          <a:fillRef idx="1">
+            <a:schemeClr val="accent1"/>
+          </a:fillRef>
+          <a:effectRef idx="0">
+            <a:schemeClr val="accent1"/>
+          </a:effectRef>
+          <a:fontRef idx="minor">
+            <a:schemeClr val="lt1"/>
+          </a:fontRef>
+        </p:style>
+        <p:txBody>
+          <a:bodyPr anchor="ctr"/>
+          <a:lstStyle/>
+          <a:p>
+            <a:pPr>
+              <a:defRPr/>
+            </a:pPr>
+            <a:r>
+              <a:rPr lang="ko-KR" altLang="en-US">
+                <a:solidFill>
+                  <a:schemeClr val="dk1"/>
+                </a:solidFill>
+              </a:rPr>
+              <a:t>다운 받은 위치로 가서 실행시키면 다음과 같은 창이 나온다</a:t>
+            </a:r>
+            <a:r>
+              <a:rPr lang="en-US" altLang="ko-KR">
+                <a:solidFill>
+                  <a:schemeClr val="dk1"/>
+                </a:solidFill>
+              </a:rPr>
+              <a:t>.</a:t>
+            </a:r>
+            <a:endParaRPr lang="en-US" altLang="ko-KR">
+              <a:solidFill>
+                <a:schemeClr val="dk1"/>
+              </a:solidFill>
+            </a:endParaRPr>
+          </a:p>
+          <a:p>
+            <a:pPr>
+              <a:defRPr/>
+            </a:pPr>
+            <a:endParaRPr lang="en-US" altLang="ko-KR">
+              <a:solidFill>
+                <a:schemeClr val="dk1"/>
+              </a:solidFill>
+            </a:endParaRPr>
+          </a:p>
+        </p:txBody>
+      </p:sp>
+    </p:spTree>
+  </p:cSld>
+  <p:clrMapOvr>
+    <a:masterClrMapping/>
+  </p:clrMapOvr>
+  <mc:AlternateContent xmlns:mc="http://schemas.openxmlformats.org/markup-compatibility/2006">
+    <mc:Choice xmlns:p14="http://schemas.microsoft.com/office/powerpoint/2010/main" Requires="p14">
+      <p:transition xmlns:mc="http://schemas.openxmlformats.org/markup-compatibility/2006" xmlns:p14="http://schemas.microsoft.com/office/powerpoint/2010/main" mc:Ignorable="p14" p14:dur="500"/>
+    </mc:Choice>
+    <mc:Fallback>
+      <p:transition/>
+    </mc:Fallback>
+  </mc:AlternateContent>
+</p:sld>
+</file>
+
+<file path=ppt/slides/slide5.xml><?xml version="1.0" encoding="utf-8"?>
+<p:sld xmlns:r="http://schemas.openxmlformats.org/officeDocument/2006/relationships" xmlns:c="http://schemas.openxmlformats.org/drawingml/2006/chart" xmlns:a="http://schemas.openxmlformats.org/drawingml/2006/main" xmlns:dgm="http://schemas.openxmlformats.org/drawingml/2006/diagram" xmlns:dsp="http://schemas.microsoft.com/office/drawing/2008/diagram" xmlns:p="http://schemas.openxmlformats.org/presentationml/2006/main">
+  <p:cSld>
+    <p:spTree>
+      <p:nvGrpSpPr>
+        <p:cNvPr id="1" name=""/>
+        <p:cNvGrpSpPr/>
+        <p:nvPr/>
+      </p:nvGrpSpPr>
+      <p:grpSpPr>
+        <a:xfrm>
+          <a:off x="0" y="0"/>
+          <a:ext cx="0" cy="0"/>
+          <a:chOff x="0" y="0"/>
+          <a:chExt cx="0" cy="0"/>
+        </a:xfrm>
+      </p:grpSpPr>
+      <p:pic>
+        <p:nvPicPr>
+          <p:cNvPr id="6" name=""/>
+          <p:cNvPicPr>
+            <a:picLocks noChangeAspect="1"/>
+          </p:cNvPicPr>
+          <p:nvPr/>
+        </p:nvPicPr>
+        <p:blipFill rotWithShape="1">
+          <a:blip r:embed="rId2"/>
+          <a:stretch>
+            <a:fillRect/>
+          </a:stretch>
+        </p:blipFill>
+        <p:spPr>
+          <a:xfrm>
+            <a:off x="0" y="913765"/>
+            <a:ext cx="4419600" cy="3665220"/>
+          </a:xfrm>
+          <a:prstGeom prst="rect">
+            <a:avLst/>
+          </a:prstGeom>
+        </p:spPr>
+      </p:pic>
+      <p:sp>
+        <p:nvSpPr>
+          <p:cNvPr id="7" name=""/>
+          <p:cNvSpPr/>
+          <p:nvPr/>
+        </p:nvSpPr>
+        <p:spPr>
+          <a:xfrm>
+            <a:off x="4582886" y="1180723"/>
+            <a:ext cx="7301137" cy="5206166"/>
+          </a:xfrm>
+          <a:prstGeom prst="rect">
+            <a:avLst/>
+          </a:prstGeom>
+          <a:noFill/>
+          <a:ln>
+            <a:noFill/>
+          </a:ln>
+        </p:spPr>
+        <p:style>
+          <a:lnRef idx="2">
+            <a:schemeClr val="accent1">
+              <a:shade val="20000"/>
+            </a:schemeClr>
+          </a:lnRef>
+          <a:fillRef idx="1">
+            <a:schemeClr val="accent1"/>
+          </a:fillRef>
+          <a:effectRef idx="0">
+            <a:schemeClr val="accent1"/>
+          </a:effectRef>
+          <a:fontRef idx="minor">
+            <a:schemeClr val="lt1"/>
+          </a:fontRef>
+        </p:style>
+        <p:txBody>
+          <a:bodyPr anchor="ctr"/>
+          <a:lstStyle/>
+          <a:p>
+            <a:pPr>
+              <a:defRPr/>
+            </a:pPr>
+            <a:r>
+              <a:rPr lang="en-US" altLang="ko-KR" sz="1600">
+                <a:solidFill>
+                  <a:schemeClr val="dk1"/>
+                </a:solidFill>
+              </a:rPr>
+              <a:t>1.</a:t>
+            </a:r>
+            <a:r>
+              <a:rPr lang="ko-KR" altLang="en-US" sz="1600">
+                <a:solidFill>
+                  <a:schemeClr val="dk1"/>
+                </a:solidFill>
+              </a:rPr>
+              <a:t> </a:t>
+            </a:r>
+            <a:r>
+              <a:rPr lang="en-US" altLang="ko-KR" sz="1600">
+                <a:solidFill>
+                  <a:schemeClr val="dk1"/>
+                </a:solidFill>
+              </a:rPr>
+              <a:t>Additional icons</a:t>
+            </a:r>
+            <a:endParaRPr lang="en-US" altLang="ko-KR" sz="1600">
+              <a:solidFill>
+                <a:schemeClr val="dk1"/>
+              </a:solidFill>
+            </a:endParaRPr>
+          </a:p>
+          <a:p>
+            <a:pPr>
+              <a:defRPr/>
+            </a:pPr>
+            <a:r>
+              <a:rPr lang="en-US" altLang="ko-KR" sz="1600">
+                <a:solidFill>
+                  <a:schemeClr val="dk1"/>
+                </a:solidFill>
+              </a:rPr>
+              <a:t> - </a:t>
+            </a:r>
+            <a:r>
+              <a:rPr lang="ko-KR" altLang="en-US" sz="1600">
+                <a:solidFill>
+                  <a:schemeClr val="dk1"/>
+                </a:solidFill>
+              </a:rPr>
+              <a:t>아이콘을 추가하는 기능</a:t>
+            </a:r>
+            <a:r>
+              <a:rPr lang="en-US" altLang="ko-KR" sz="1600">
+                <a:solidFill>
+                  <a:schemeClr val="dk1"/>
+                </a:solidFill>
+              </a:rPr>
+              <a:t>.</a:t>
+            </a:r>
+            <a:r>
+              <a:rPr lang="ko-KR" altLang="en-US" sz="1600">
+                <a:solidFill>
+                  <a:schemeClr val="dk1"/>
+                </a:solidFill>
+              </a:rPr>
+              <a:t> 이 기능을 선택하면 바탕화면의 </a:t>
+            </a:r>
+            <a:r>
+              <a:rPr lang="en-US" altLang="ko-KR" sz="1600">
+                <a:solidFill>
+                  <a:schemeClr val="dk1"/>
+                </a:solidFill>
+              </a:rPr>
+              <a:t>Git</a:t>
+            </a:r>
+            <a:r>
+              <a:rPr lang="ko-KR" altLang="en-US" sz="1600">
+                <a:solidFill>
+                  <a:schemeClr val="dk1"/>
+                </a:solidFill>
+              </a:rPr>
+              <a:t> 아이콘을 추가</a:t>
+            </a:r>
+            <a:endParaRPr lang="ko-KR" altLang="en-US" sz="1600">
+              <a:solidFill>
+                <a:schemeClr val="dk1"/>
+              </a:solidFill>
+            </a:endParaRPr>
+          </a:p>
+          <a:p>
+            <a:pPr>
+              <a:defRPr/>
+            </a:pPr>
+            <a:r>
+              <a:rPr lang="en-US" altLang="ko-KR" sz="1600">
+                <a:solidFill>
+                  <a:schemeClr val="dk1"/>
+                </a:solidFill>
+              </a:rPr>
+              <a:t>2.</a:t>
+            </a:r>
+            <a:r>
+              <a:rPr lang="ko-KR" altLang="en-US" sz="1600">
+                <a:solidFill>
+                  <a:schemeClr val="dk1"/>
+                </a:solidFill>
+              </a:rPr>
+              <a:t> </a:t>
+            </a:r>
+            <a:r>
+              <a:rPr lang="en-US" altLang="ko-KR" sz="1600">
+                <a:solidFill>
+                  <a:schemeClr val="dk1"/>
+                </a:solidFill>
+              </a:rPr>
+              <a:t>Windows Exporer integration</a:t>
+            </a:r>
+            <a:endParaRPr lang="en-US" altLang="ko-KR" sz="1600">
+              <a:solidFill>
+                <a:schemeClr val="dk1"/>
+              </a:solidFill>
+            </a:endParaRPr>
+          </a:p>
+          <a:p>
+            <a:pPr>
+              <a:defRPr/>
+            </a:pPr>
+            <a:r>
+              <a:rPr lang="en-US" altLang="ko-KR" sz="1600">
+                <a:solidFill>
+                  <a:schemeClr val="dk1"/>
+                </a:solidFill>
+              </a:rPr>
+              <a:t>2-1. Git Bash Here : Git Bash</a:t>
+            </a:r>
+            <a:r>
+              <a:rPr lang="ko-KR" altLang="en-US" sz="1600">
+                <a:solidFill>
+                  <a:schemeClr val="dk1"/>
+                </a:solidFill>
+              </a:rPr>
+              <a:t>를 연결하는 기능</a:t>
+            </a:r>
+            <a:r>
+              <a:rPr lang="en-US" altLang="ko-KR" sz="1600">
+                <a:solidFill>
+                  <a:schemeClr val="dk1"/>
+                </a:solidFill>
+              </a:rPr>
+              <a:t>.</a:t>
+            </a:r>
+            <a:r>
+              <a:rPr lang="ko-KR" altLang="en-US" sz="1600">
+                <a:solidFill>
+                  <a:schemeClr val="dk1"/>
+                </a:solidFill>
+              </a:rPr>
+              <a:t> 폴더에서 </a:t>
+            </a:r>
+            <a:r>
+              <a:rPr lang="en-US" altLang="ko-KR" sz="1600">
+                <a:solidFill>
+                  <a:schemeClr val="dk1"/>
+                </a:solidFill>
+              </a:rPr>
+              <a:t>Git</a:t>
+            </a:r>
+            <a:r>
+              <a:rPr lang="ko-KR" altLang="en-US" sz="1600">
+                <a:solidFill>
+                  <a:schemeClr val="dk1"/>
+                </a:solidFill>
+              </a:rPr>
+              <a:t>을 바로 연결할 수 있는 기능</a:t>
+            </a:r>
+            <a:endParaRPr lang="ko-KR" altLang="en-US" sz="1600">
+              <a:solidFill>
+                <a:schemeClr val="dk1"/>
+              </a:solidFill>
+            </a:endParaRPr>
+          </a:p>
+          <a:p>
+            <a:pPr>
+              <a:defRPr/>
+            </a:pPr>
+            <a:r>
+              <a:rPr lang="en-US" altLang="ko-KR" sz="1600">
+                <a:solidFill>
+                  <a:schemeClr val="dk1"/>
+                </a:solidFill>
+              </a:rPr>
+              <a:t>2-2.</a:t>
+            </a:r>
+            <a:r>
+              <a:rPr lang="ko-KR" altLang="en-US" sz="1600">
+                <a:solidFill>
+                  <a:schemeClr val="dk1"/>
+                </a:solidFill>
+              </a:rPr>
+              <a:t> </a:t>
+            </a:r>
+            <a:r>
+              <a:rPr lang="en-US" altLang="ko-KR" sz="1600">
+                <a:solidFill>
+                  <a:schemeClr val="dk1"/>
+                </a:solidFill>
+              </a:rPr>
+              <a:t>Git GUI Here : Git GUI</a:t>
+            </a:r>
+            <a:r>
+              <a:rPr lang="ko-KR" altLang="en-US" sz="1600">
+                <a:solidFill>
+                  <a:schemeClr val="dk1"/>
+                </a:solidFill>
+              </a:rPr>
+              <a:t>을 연결하는 기능</a:t>
+            </a:r>
+            <a:r>
+              <a:rPr lang="en-US" altLang="ko-KR" sz="1600">
+                <a:solidFill>
+                  <a:schemeClr val="dk1"/>
+                </a:solidFill>
+              </a:rPr>
+              <a:t>.</a:t>
+            </a:r>
+            <a:r>
+              <a:rPr lang="ko-KR" altLang="en-US" sz="1600">
+                <a:solidFill>
+                  <a:schemeClr val="dk1"/>
+                </a:solidFill>
+              </a:rPr>
+              <a:t> 폴더에서 </a:t>
+            </a:r>
+            <a:r>
+              <a:rPr lang="en-US" altLang="ko-KR" sz="1600">
+                <a:solidFill>
+                  <a:schemeClr val="dk1"/>
+                </a:solidFill>
+              </a:rPr>
+              <a:t>Git</a:t>
+            </a:r>
+            <a:r>
+              <a:rPr lang="ko-KR" altLang="en-US" sz="1600">
+                <a:solidFill>
+                  <a:schemeClr val="dk1"/>
+                </a:solidFill>
+              </a:rPr>
+              <a:t>을 바로 연결할 수 있는 기능</a:t>
+            </a:r>
+            <a:endParaRPr lang="ko-KR" altLang="en-US" sz="1600">
+              <a:solidFill>
+                <a:schemeClr val="dk1"/>
+              </a:solidFill>
+            </a:endParaRPr>
+          </a:p>
+          <a:p>
+            <a:pPr>
+              <a:defRPr/>
+            </a:pPr>
+            <a:r>
+              <a:rPr lang="ko-KR" altLang="en-US" sz="1600">
+                <a:solidFill>
+                  <a:schemeClr val="dk1"/>
+                </a:solidFill>
+              </a:rPr>
+              <a:t> </a:t>
+            </a:r>
+            <a:r>
+              <a:rPr lang="en-US" altLang="ko-KR" sz="1600">
+                <a:solidFill>
+                  <a:schemeClr val="dk1"/>
+                </a:solidFill>
+              </a:rPr>
+              <a:t>-</a:t>
+            </a:r>
+            <a:r>
+              <a:rPr lang="ko-KR" altLang="en-US" sz="1600">
+                <a:solidFill>
+                  <a:schemeClr val="dk1"/>
+                </a:solidFill>
+              </a:rPr>
+              <a:t> 이것을 체크하게 되면 아래 사진과 같이 아무 폴더 안에서 마우스 오른쪽 클릭을 하면 </a:t>
+            </a:r>
+            <a:r>
+              <a:rPr lang="en-US" altLang="ko-KR" sz="1600">
+                <a:solidFill>
+                  <a:schemeClr val="dk1"/>
+                </a:solidFill>
+              </a:rPr>
+              <a:t>Git Bash</a:t>
+            </a:r>
+            <a:r>
+              <a:rPr lang="ko-KR" altLang="en-US" sz="1600">
+                <a:solidFill>
+                  <a:schemeClr val="dk1"/>
+                </a:solidFill>
+              </a:rPr>
+              <a:t>나 </a:t>
+            </a:r>
+            <a:r>
+              <a:rPr lang="en-US" altLang="ko-KR" sz="1600">
+                <a:solidFill>
+                  <a:schemeClr val="dk1"/>
+                </a:solidFill>
+              </a:rPr>
+              <a:t>Git GUI</a:t>
+            </a:r>
+            <a:r>
+              <a:rPr lang="ko-KR" altLang="en-US" sz="1600">
+                <a:solidFill>
+                  <a:schemeClr val="dk1"/>
+                </a:solidFill>
+              </a:rPr>
+              <a:t>로 연결될 수 있음</a:t>
+            </a:r>
+            <a:endParaRPr lang="ko-KR" altLang="en-US" sz="1600">
+              <a:solidFill>
+                <a:schemeClr val="dk1"/>
+              </a:solidFill>
+            </a:endParaRPr>
+          </a:p>
+          <a:p>
+            <a:pPr>
+              <a:defRPr/>
+            </a:pPr>
+            <a:r>
+              <a:rPr lang="en-US" altLang="ko-KR" sz="1600">
+                <a:solidFill>
+                  <a:schemeClr val="dk1"/>
+                </a:solidFill>
+              </a:rPr>
+              <a:t>3.</a:t>
+            </a:r>
+            <a:r>
+              <a:rPr lang="ko-KR" altLang="en-US" sz="1600">
+                <a:solidFill>
+                  <a:schemeClr val="dk1"/>
+                </a:solidFill>
+              </a:rPr>
+              <a:t> </a:t>
+            </a:r>
+            <a:r>
+              <a:rPr lang="en-US" altLang="ko-KR" sz="1600">
+                <a:solidFill>
+                  <a:schemeClr val="dk1"/>
+                </a:solidFill>
+              </a:rPr>
+              <a:t>Git LFS</a:t>
+            </a:r>
+            <a:endParaRPr lang="en-US" altLang="ko-KR" sz="1600">
+              <a:solidFill>
+                <a:schemeClr val="dk1"/>
+              </a:solidFill>
+            </a:endParaRPr>
+          </a:p>
+          <a:p>
+            <a:pPr>
+              <a:defRPr/>
+            </a:pPr>
+            <a:r>
+              <a:rPr lang="ko-KR" altLang="en-US" sz="1600">
+                <a:solidFill>
+                  <a:schemeClr val="dk1"/>
+                </a:solidFill>
+              </a:rPr>
+              <a:t> </a:t>
+            </a:r>
+            <a:r>
+              <a:rPr lang="en-US" altLang="ko-KR" sz="1600">
+                <a:solidFill>
+                  <a:schemeClr val="dk1"/>
+                </a:solidFill>
+              </a:rPr>
+              <a:t>-</a:t>
+            </a:r>
+            <a:r>
+              <a:rPr lang="ko-KR" altLang="en-US" sz="1600">
+                <a:solidFill>
+                  <a:schemeClr val="dk1"/>
+                </a:solidFill>
+              </a:rPr>
+              <a:t> 용량이 큰 파일을 지원하는 기능</a:t>
+            </a:r>
+            <a:endParaRPr lang="ko-KR" altLang="en-US" sz="1600">
+              <a:solidFill>
+                <a:schemeClr val="dk1"/>
+              </a:solidFill>
+            </a:endParaRPr>
+          </a:p>
+          <a:p>
+            <a:pPr>
+              <a:defRPr/>
+            </a:pPr>
+            <a:r>
+              <a:rPr lang="en-US" altLang="ko-KR" sz="1600">
+                <a:solidFill>
+                  <a:schemeClr val="dk1"/>
+                </a:solidFill>
+              </a:rPr>
+              <a:t>4.</a:t>
+            </a:r>
+            <a:r>
+              <a:rPr lang="ko-KR" altLang="en-US" sz="1600">
+                <a:solidFill>
+                  <a:schemeClr val="dk1"/>
+                </a:solidFill>
+              </a:rPr>
+              <a:t> </a:t>
+            </a:r>
+            <a:r>
+              <a:rPr lang="en-US" altLang="ko-KR" sz="1600">
+                <a:solidFill>
+                  <a:schemeClr val="dk1"/>
+                </a:solidFill>
+              </a:rPr>
+              <a:t>Associate .git configuration files with the default text editor</a:t>
+            </a:r>
+            <a:endParaRPr lang="en-US" altLang="ko-KR" sz="1600">
+              <a:solidFill>
+                <a:schemeClr val="dk1"/>
+              </a:solidFill>
+            </a:endParaRPr>
+          </a:p>
+          <a:p>
+            <a:pPr>
+              <a:defRPr/>
+            </a:pPr>
+            <a:r>
+              <a:rPr lang="en-US" altLang="ko-KR" sz="1600">
+                <a:solidFill>
+                  <a:schemeClr val="dk1"/>
+                </a:solidFill>
+              </a:rPr>
+              <a:t> - git </a:t>
+            </a:r>
+            <a:r>
+              <a:rPr lang="ko-KR" altLang="en-US" sz="1600">
+                <a:solidFill>
+                  <a:schemeClr val="dk1"/>
+                </a:solidFill>
+              </a:rPr>
+              <a:t>구성 파일을 기본 텍스트 편집기와 연결하는 기능</a:t>
+            </a:r>
+            <a:endParaRPr lang="ko-KR" altLang="en-US" sz="1600">
+              <a:solidFill>
+                <a:schemeClr val="dk1"/>
+              </a:solidFill>
+            </a:endParaRPr>
+          </a:p>
+          <a:p>
+            <a:pPr>
+              <a:defRPr/>
+            </a:pPr>
+            <a:r>
+              <a:rPr lang="en-US" altLang="ko-KR" sz="1600">
+                <a:solidFill>
+                  <a:schemeClr val="dk1"/>
+                </a:solidFill>
+              </a:rPr>
+              <a:t>5.</a:t>
+            </a:r>
+            <a:r>
+              <a:rPr lang="ko-KR" altLang="en-US" sz="1600">
+                <a:solidFill>
+                  <a:schemeClr val="dk1"/>
+                </a:solidFill>
+              </a:rPr>
+              <a:t> </a:t>
+            </a:r>
+            <a:r>
+              <a:rPr lang="en-US" altLang="ko-KR" sz="1600">
+                <a:solidFill>
+                  <a:schemeClr val="dk1"/>
+                </a:solidFill>
+              </a:rPr>
+              <a:t>Associate .sh files to be run with bash</a:t>
+            </a:r>
+            <a:endParaRPr lang="en-US" altLang="ko-KR" sz="1600">
+              <a:solidFill>
+                <a:schemeClr val="dk1"/>
+              </a:solidFill>
+            </a:endParaRPr>
+          </a:p>
+          <a:p>
+            <a:pPr>
+              <a:defRPr/>
+            </a:pPr>
+            <a:r>
+              <a:rPr lang="en-US" altLang="ko-KR" sz="1600">
+                <a:solidFill>
+                  <a:schemeClr val="dk1"/>
+                </a:solidFill>
+              </a:rPr>
+              <a:t> - .sh</a:t>
+            </a:r>
+            <a:r>
+              <a:rPr lang="ko-KR" altLang="en-US" sz="1600">
+                <a:solidFill>
+                  <a:schemeClr val="dk1"/>
+                </a:solidFill>
+              </a:rPr>
+              <a:t>파일을 </a:t>
+            </a:r>
+            <a:r>
+              <a:rPr lang="en-US" altLang="ko-KR" sz="1600">
+                <a:solidFill>
+                  <a:schemeClr val="dk1"/>
+                </a:solidFill>
+              </a:rPr>
+              <a:t>Bash</a:t>
+            </a:r>
+            <a:r>
+              <a:rPr lang="ko-KR" altLang="en-US" sz="1600">
+                <a:solidFill>
+                  <a:schemeClr val="dk1"/>
+                </a:solidFill>
+              </a:rPr>
+              <a:t>와 연결하는 기능</a:t>
+            </a:r>
+            <a:endParaRPr lang="ko-KR" altLang="en-US" sz="1600">
+              <a:solidFill>
+                <a:schemeClr val="dk1"/>
+              </a:solidFill>
+            </a:endParaRPr>
+          </a:p>
+          <a:p>
+            <a:pPr>
+              <a:defRPr/>
+            </a:pPr>
+            <a:r>
+              <a:rPr lang="en-US" altLang="ko-KR" sz="1600">
+                <a:solidFill>
+                  <a:schemeClr val="dk1"/>
+                </a:solidFill>
+              </a:rPr>
+              <a:t>6.</a:t>
+            </a:r>
+            <a:r>
+              <a:rPr lang="ko-KR" altLang="en-US" sz="1600">
+                <a:solidFill>
+                  <a:schemeClr val="dk1"/>
+                </a:solidFill>
+              </a:rPr>
+              <a:t> </a:t>
+            </a:r>
+            <a:r>
+              <a:rPr lang="en-US" altLang="ko-KR" sz="1600">
+                <a:solidFill>
+                  <a:schemeClr val="dk1"/>
+                </a:solidFill>
+              </a:rPr>
+              <a:t>Use a TrueType font in all console windows</a:t>
+            </a:r>
+            <a:endParaRPr lang="en-US" altLang="ko-KR" sz="1600">
+              <a:solidFill>
+                <a:schemeClr val="dk1"/>
+              </a:solidFill>
+            </a:endParaRPr>
+          </a:p>
+          <a:p>
+            <a:pPr>
+              <a:defRPr/>
+            </a:pPr>
+            <a:r>
+              <a:rPr lang="en-US" altLang="ko-KR" sz="1600">
+                <a:solidFill>
+                  <a:schemeClr val="dk1"/>
+                </a:solidFill>
+              </a:rPr>
+              <a:t> - </a:t>
+            </a:r>
+            <a:r>
+              <a:rPr lang="ko-KR" altLang="en-US" sz="1600">
+                <a:solidFill>
+                  <a:schemeClr val="dk1"/>
+                </a:solidFill>
+              </a:rPr>
+              <a:t>윈도우 콘솔에서</a:t>
+            </a:r>
+            <a:r>
+              <a:rPr lang="en-US" altLang="ko-KR" sz="1600">
+                <a:solidFill>
+                  <a:schemeClr val="dk1"/>
+                </a:solidFill>
+              </a:rPr>
+              <a:t> TrueType </a:t>
+            </a:r>
+            <a:r>
+              <a:rPr lang="ko-KR" altLang="en-US" sz="1600">
+                <a:solidFill>
+                  <a:schemeClr val="dk1"/>
+                </a:solidFill>
+              </a:rPr>
+              <a:t>폰트를 사용하는 기능</a:t>
+            </a:r>
+            <a:endParaRPr lang="ko-KR" altLang="en-US" sz="1600">
+              <a:solidFill>
+                <a:schemeClr val="dk1"/>
+              </a:solidFill>
+            </a:endParaRPr>
+          </a:p>
+          <a:p>
+            <a:pPr>
+              <a:defRPr/>
+            </a:pPr>
+            <a:r>
+              <a:rPr lang="en-US" altLang="ko-KR" sz="1600">
+                <a:solidFill>
+                  <a:schemeClr val="dk1"/>
+                </a:solidFill>
+              </a:rPr>
+              <a:t>7. Check daily for Git for Windows updates</a:t>
+            </a:r>
+            <a:endParaRPr lang="en-US" altLang="ko-KR" sz="1600">
+              <a:solidFill>
+                <a:schemeClr val="dk1"/>
+              </a:solidFill>
+            </a:endParaRPr>
+          </a:p>
+          <a:p>
+            <a:pPr>
+              <a:defRPr/>
+            </a:pPr>
+            <a:r>
+              <a:rPr lang="en-US" altLang="ko-KR" sz="1600">
+                <a:solidFill>
+                  <a:schemeClr val="dk1"/>
+                </a:solidFill>
+              </a:rPr>
+              <a:t> - </a:t>
+            </a:r>
+            <a:r>
+              <a:rPr lang="ko-KR" altLang="en-US" sz="1600">
+                <a:solidFill>
+                  <a:schemeClr val="dk1"/>
+                </a:solidFill>
+              </a:rPr>
+              <a:t>윈도우즈용 </a:t>
+            </a:r>
+            <a:r>
+              <a:rPr lang="en-US" altLang="ko-KR" sz="1600">
+                <a:solidFill>
+                  <a:schemeClr val="dk1"/>
+                </a:solidFill>
+              </a:rPr>
+              <a:t>Git</a:t>
+            </a:r>
+            <a:r>
+              <a:rPr lang="ko-KR" altLang="en-US" sz="1600">
+                <a:solidFill>
+                  <a:schemeClr val="dk1"/>
+                </a:solidFill>
+              </a:rPr>
+              <a:t> 업데이트를 매일매일 확인하는 기능</a:t>
+            </a:r>
+            <a:endParaRPr lang="ko-KR" altLang="en-US" sz="1600">
+              <a:solidFill>
+                <a:schemeClr val="dk1"/>
+              </a:solidFill>
+            </a:endParaRPr>
+          </a:p>
+          <a:p>
+            <a:pPr>
+              <a:defRPr/>
+            </a:pPr>
+            <a:endParaRPr lang="en-US" altLang="ko-KR" sz="1600">
+              <a:solidFill>
+                <a:schemeClr val="dk1"/>
+              </a:solidFill>
+            </a:endParaRPr>
+          </a:p>
+        </p:txBody>
+      </p:sp>
+      <p:pic>
+        <p:nvPicPr>
+          <p:cNvPr id="8" name=""/>
+          <p:cNvPicPr>
+            <a:picLocks noChangeAspect="1"/>
+          </p:cNvPicPr>
+          <p:nvPr/>
+        </p:nvPicPr>
+        <p:blipFill rotWithShape="1">
+          <a:blip r:embed="rId3"/>
+          <a:stretch>
+            <a:fillRect/>
+          </a:stretch>
+        </p:blipFill>
+        <p:spPr>
+          <a:xfrm>
+            <a:off x="671512" y="4967664"/>
+            <a:ext cx="3076575" cy="1419225"/>
+          </a:xfrm>
+          <a:prstGeom prst="rect">
+            <a:avLst/>
+          </a:prstGeom>
+        </p:spPr>
+      </p:pic>
+    </p:spTree>
+  </p:cSld>
+  <p:clrMapOvr>
+    <a:masterClrMapping/>
+  </p:clrMapOvr>
+  <mc:AlternateContent xmlns:mc="http://schemas.openxmlformats.org/markup-compatibility/2006">
+    <mc:Choice xmlns:p14="http://schemas.microsoft.com/office/powerpoint/2010/main" Requires="p14">
+      <p:transition xmlns:mc="http://schemas.openxmlformats.org/markup-compatibility/2006" xmlns:p14="http://schemas.microsoft.com/office/powerpoint/2010/main" mc:Ignorable="p14" p14:dur="500"/>
+    </mc:Choice>
+    <mc:Fallback>
+      <p:transition/>
+    </mc:Fallback>
+  </mc:AlternateContent>
+</p:sld>
+</file>
+
+<file path=ppt/slides/slide6.xml><?xml version="1.0" encoding="utf-8"?>
+<p:sld xmlns:r="http://schemas.openxmlformats.org/officeDocument/2006/relationships" xmlns:c="http://schemas.openxmlformats.org/drawingml/2006/chart" xmlns:a="http://schemas.openxmlformats.org/drawingml/2006/main" xmlns:dgm="http://schemas.openxmlformats.org/drawingml/2006/diagram" xmlns:dsp="http://schemas.microsoft.com/office/drawing/2008/diagram" xmlns:p="http://schemas.openxmlformats.org/presentationml/2006/main">
+  <p:cSld>
+    <p:spTree>
+      <p:nvGrpSpPr>
+        <p:cNvPr id="1" name=""/>
+        <p:cNvGrpSpPr/>
+        <p:nvPr/>
+      </p:nvGrpSpPr>
+      <p:grpSpPr>
+        <a:xfrm>
+          <a:off x="0" y="0"/>
+          <a:ext cx="0" cy="0"/>
+          <a:chOff x="0" y="0"/>
+          <a:chExt cx="0" cy="0"/>
+        </a:xfrm>
+      </p:grpSpPr>
+      <p:pic>
+        <p:nvPicPr>
+          <p:cNvPr id="4" name=""/>
+          <p:cNvPicPr>
+            <a:picLocks noChangeAspect="1"/>
+          </p:cNvPicPr>
+          <p:nvPr/>
+        </p:nvPicPr>
+        <p:blipFill rotWithShape="1">
+          <a:blip r:embed="rId2"/>
+          <a:stretch>
+            <a:fillRect/>
+          </a:stretch>
+        </p:blipFill>
+        <p:spPr>
+          <a:xfrm>
+            <a:off x="328386" y="358775"/>
+            <a:ext cx="4434839" cy="3672840"/>
+          </a:xfrm>
+          <a:prstGeom prst="rect">
+            <a:avLst/>
+          </a:prstGeom>
+        </p:spPr>
+      </p:pic>
+      <p:sp>
+        <p:nvSpPr>
+          <p:cNvPr id="5" name=""/>
+          <p:cNvSpPr/>
+          <p:nvPr/>
+        </p:nvSpPr>
+        <p:spPr>
+          <a:xfrm>
+            <a:off x="328386" y="4281170"/>
+            <a:ext cx="10942864" cy="2248277"/>
+          </a:xfrm>
+          <a:prstGeom prst="rect">
+            <a:avLst/>
+          </a:prstGeom>
+          <a:noFill/>
+          <a:ln>
+            <a:noFill/>
+          </a:ln>
+        </p:spPr>
+        <p:style>
+          <a:lnRef idx="2">
+            <a:schemeClr val="accent1">
+              <a:shade val="20000"/>
+            </a:schemeClr>
+          </a:lnRef>
+          <a:fillRef idx="1">
+            <a:schemeClr val="accent1"/>
+          </a:fillRef>
+          <a:effectRef idx="0">
+            <a:schemeClr val="accent1"/>
+          </a:effectRef>
+          <a:fontRef idx="minor">
+            <a:schemeClr val="lt1"/>
+          </a:fontRef>
+        </p:style>
+        <p:txBody>
+          <a:bodyPr anchor="ctr"/>
+          <a:lstStyle/>
+          <a:p>
+            <a:pPr>
+              <a:defRPr/>
+            </a:pPr>
+            <a:r>
+              <a:rPr lang="en-US" altLang="ko-KR">
+                <a:solidFill>
+                  <a:schemeClr val="dk1"/>
+                </a:solidFill>
+              </a:rPr>
+              <a:t>1.Git</a:t>
+            </a:r>
+            <a:r>
+              <a:rPr lang="ko-KR" altLang="en-US">
+                <a:solidFill>
+                  <a:schemeClr val="dk1"/>
+                </a:solidFill>
+              </a:rPr>
+              <a:t>을 사용하기 위한 기본 에디터를 선택하는 창</a:t>
+            </a:r>
+            <a:r>
+              <a:rPr lang="en-US" altLang="ko-KR">
+                <a:solidFill>
+                  <a:schemeClr val="dk1"/>
+                </a:solidFill>
+              </a:rPr>
+              <a:t>.</a:t>
+            </a:r>
+            <a:r>
+              <a:rPr lang="ko-KR" altLang="en-US">
+                <a:solidFill>
+                  <a:schemeClr val="dk1"/>
+                </a:solidFill>
+              </a:rPr>
+              <a:t> 주로 </a:t>
+            </a:r>
+            <a:r>
+              <a:rPr lang="en-US" altLang="ko-KR">
+                <a:solidFill>
+                  <a:schemeClr val="dk1"/>
+                </a:solidFill>
+              </a:rPr>
+              <a:t>Vim Editorfmf </a:t>
+            </a:r>
+            <a:r>
+              <a:rPr lang="ko-KR" altLang="en-US">
+                <a:solidFill>
+                  <a:schemeClr val="dk1"/>
+                </a:solidFill>
+              </a:rPr>
+              <a:t>사용하기</a:t>
+            </a:r>
+            <a:r>
+              <a:rPr lang="en-US" altLang="ko-KR">
+                <a:solidFill>
+                  <a:schemeClr val="dk1"/>
+                </a:solidFill>
+              </a:rPr>
+              <a:t> </a:t>
+            </a:r>
+            <a:r>
+              <a:rPr lang="ko-KR" altLang="en-US">
+                <a:solidFill>
+                  <a:schemeClr val="dk1"/>
+                </a:solidFill>
+              </a:rPr>
+              <a:t>때문에 </a:t>
+            </a:r>
+            <a:r>
+              <a:rPr lang="en-US" altLang="ko-KR">
+                <a:solidFill>
+                  <a:schemeClr val="dk1"/>
+                </a:solidFill>
+              </a:rPr>
+              <a:t>Next</a:t>
+            </a:r>
+            <a:r>
+              <a:rPr lang="ko-KR" altLang="en-US">
+                <a:solidFill>
+                  <a:schemeClr val="dk1"/>
+                </a:solidFill>
+              </a:rPr>
+              <a:t>를 누른다</a:t>
+            </a:r>
+            <a:endParaRPr lang="ko-KR" altLang="en-US">
+              <a:solidFill>
+                <a:schemeClr val="dk1"/>
+              </a:solidFill>
+            </a:endParaRPr>
+          </a:p>
+          <a:p>
+            <a:pPr>
+              <a:defRPr/>
+            </a:pPr>
+            <a:r>
+              <a:rPr lang="en-US" altLang="ko-KR">
+                <a:solidFill>
+                  <a:schemeClr val="dk1"/>
+                </a:solidFill>
+              </a:rPr>
+              <a:t>2.</a:t>
+            </a:r>
+            <a:r>
+              <a:rPr lang="ko-KR" altLang="en-US">
+                <a:solidFill>
+                  <a:schemeClr val="dk1"/>
+                </a:solidFill>
+              </a:rPr>
+              <a:t> </a:t>
+            </a:r>
+            <a:r>
+              <a:rPr lang="en-US" altLang="ko-KR">
+                <a:solidFill>
+                  <a:schemeClr val="dk1"/>
+                </a:solidFill>
+              </a:rPr>
+              <a:t>git init</a:t>
+            </a:r>
+            <a:r>
+              <a:rPr lang="ko-KR" altLang="en-US">
+                <a:solidFill>
+                  <a:schemeClr val="dk1"/>
+                </a:solidFill>
+              </a:rPr>
+              <a:t>이라는 명령어를 입력하면 초기 </a:t>
+            </a:r>
+            <a:r>
+              <a:rPr lang="en-US" altLang="ko-KR">
+                <a:solidFill>
+                  <a:schemeClr val="dk1"/>
+                </a:solidFill>
+              </a:rPr>
+              <a:t>branch</a:t>
+            </a:r>
+            <a:r>
+              <a:rPr lang="ko-KR" altLang="en-US">
+                <a:solidFill>
+                  <a:schemeClr val="dk1"/>
+                </a:solidFill>
+              </a:rPr>
+              <a:t>가 생성되는데 그것의 초기 이름을 설정해주는 창</a:t>
+            </a:r>
+            <a:r>
+              <a:rPr lang="en-US" altLang="ko-KR">
+                <a:solidFill>
+                  <a:schemeClr val="dk1"/>
+                </a:solidFill>
+              </a:rPr>
+              <a:t>.</a:t>
+            </a:r>
+            <a:endParaRPr lang="en-US" altLang="ko-KR">
+              <a:solidFill>
+                <a:schemeClr val="dk1"/>
+              </a:solidFill>
+            </a:endParaRPr>
+          </a:p>
+          <a:p>
+            <a:pPr>
+              <a:defRPr/>
+            </a:pPr>
+            <a:r>
+              <a:rPr lang="en-US" altLang="ko-KR">
+                <a:solidFill>
+                  <a:schemeClr val="dk1"/>
+                </a:solidFill>
+              </a:rPr>
+              <a:t>2-1. Let Git decide</a:t>
+            </a:r>
+            <a:endParaRPr lang="en-US" altLang="ko-KR">
+              <a:solidFill>
+                <a:schemeClr val="dk1"/>
+              </a:solidFill>
+            </a:endParaRPr>
+          </a:p>
+          <a:p>
+            <a:pPr>
+              <a:defRPr/>
+            </a:pPr>
+            <a:r>
+              <a:rPr lang="en-US" altLang="ko-KR">
+                <a:solidFill>
+                  <a:schemeClr val="dk1"/>
+                </a:solidFill>
+              </a:rPr>
+              <a:t> - Git</a:t>
+            </a:r>
+            <a:r>
+              <a:rPr lang="ko-KR" altLang="en-US">
+                <a:solidFill>
+                  <a:schemeClr val="dk1"/>
+                </a:solidFill>
+              </a:rPr>
+              <a:t>에서는 초기 </a:t>
+            </a:r>
+            <a:r>
+              <a:rPr lang="en-US" altLang="ko-KR">
+                <a:solidFill>
+                  <a:schemeClr val="dk1"/>
+                </a:solidFill>
+              </a:rPr>
+              <a:t>branch</a:t>
+            </a:r>
+            <a:r>
+              <a:rPr lang="ko-KR" altLang="en-US">
+                <a:solidFill>
+                  <a:schemeClr val="dk1"/>
+                </a:solidFill>
+              </a:rPr>
+              <a:t>이름을 </a:t>
+            </a:r>
+            <a:r>
+              <a:rPr lang="en-US" altLang="ko-KR">
+                <a:solidFill>
+                  <a:schemeClr val="dk1"/>
+                </a:solidFill>
+              </a:rPr>
+              <a:t>“master”</a:t>
+            </a:r>
+            <a:r>
+              <a:rPr lang="ko-KR" altLang="en-US">
+                <a:solidFill>
+                  <a:schemeClr val="dk1"/>
+                </a:solidFill>
+              </a:rPr>
+              <a:t>로 설정</a:t>
+            </a:r>
+            <a:r>
+              <a:rPr lang="en-US" altLang="ko-KR">
+                <a:solidFill>
+                  <a:schemeClr val="dk1"/>
+                </a:solidFill>
+              </a:rPr>
+              <a:t>,</a:t>
+            </a:r>
+            <a:r>
+              <a:rPr lang="ko-KR" altLang="en-US">
+                <a:solidFill>
+                  <a:schemeClr val="dk1"/>
+                </a:solidFill>
+              </a:rPr>
+              <a:t> 이 규칙을 그대로 따르겠다는 의미</a:t>
+            </a:r>
+            <a:endParaRPr lang="ko-KR" altLang="en-US">
+              <a:solidFill>
+                <a:schemeClr val="dk1"/>
+              </a:solidFill>
+            </a:endParaRPr>
+          </a:p>
+          <a:p>
+            <a:pPr>
+              <a:defRPr/>
+            </a:pPr>
+            <a:r>
+              <a:rPr lang="en-US" altLang="ko-KR">
+                <a:solidFill>
+                  <a:schemeClr val="dk1"/>
+                </a:solidFill>
+              </a:rPr>
+              <a:t>2-2. Override the default branch name for new repositories</a:t>
+            </a:r>
+            <a:endParaRPr lang="en-US" altLang="ko-KR">
+              <a:solidFill>
+                <a:schemeClr val="dk1"/>
+              </a:solidFill>
+            </a:endParaRPr>
+          </a:p>
+          <a:p>
+            <a:pPr>
+              <a:defRPr/>
+            </a:pPr>
+            <a:r>
+              <a:rPr lang="ko-KR" altLang="en-US">
+                <a:solidFill>
+                  <a:schemeClr val="dk1"/>
+                </a:solidFill>
+              </a:rPr>
+              <a:t> </a:t>
+            </a:r>
+            <a:r>
+              <a:rPr lang="en-US" altLang="ko-KR">
+                <a:solidFill>
+                  <a:schemeClr val="dk1"/>
+                </a:solidFill>
+              </a:rPr>
+              <a:t>-</a:t>
+            </a:r>
+            <a:r>
+              <a:rPr lang="ko-KR" altLang="en-US">
+                <a:solidFill>
+                  <a:schemeClr val="dk1"/>
+                </a:solidFill>
+              </a:rPr>
+              <a:t> 초기 </a:t>
+            </a:r>
+            <a:r>
+              <a:rPr lang="en-US" altLang="ko-KR">
+                <a:solidFill>
+                  <a:schemeClr val="dk1"/>
+                </a:solidFill>
+              </a:rPr>
+              <a:t>branch</a:t>
+            </a:r>
+            <a:r>
+              <a:rPr lang="ko-KR" altLang="en-US">
+                <a:solidFill>
+                  <a:schemeClr val="dk1"/>
+                </a:solidFill>
+              </a:rPr>
+              <a:t>이름을 </a:t>
+            </a:r>
+            <a:r>
+              <a:rPr lang="en-US" altLang="ko-KR">
+                <a:solidFill>
+                  <a:schemeClr val="dk1"/>
+                </a:solidFill>
+              </a:rPr>
+              <a:t>“master”</a:t>
+            </a:r>
+            <a:r>
+              <a:rPr lang="ko-KR" altLang="en-US">
+                <a:solidFill>
+                  <a:schemeClr val="dk1"/>
+                </a:solidFill>
+              </a:rPr>
+              <a:t>가 아닌 사용자가 원하는 초기 </a:t>
+            </a:r>
+            <a:r>
+              <a:rPr lang="en-US" altLang="ko-KR">
+                <a:solidFill>
+                  <a:schemeClr val="dk1"/>
+                </a:solidFill>
+              </a:rPr>
+              <a:t>branch</a:t>
+            </a:r>
+            <a:r>
+              <a:rPr lang="ko-KR" altLang="en-US">
+                <a:solidFill>
+                  <a:schemeClr val="dk1"/>
+                </a:solidFill>
+              </a:rPr>
+              <a:t>이름으로 변경하는 기능</a:t>
+            </a:r>
+            <a:endParaRPr lang="ko-KR" altLang="en-US">
+              <a:solidFill>
+                <a:schemeClr val="dk1"/>
+              </a:solidFill>
+            </a:endParaRPr>
+          </a:p>
+        </p:txBody>
+      </p:sp>
+      <p:pic>
+        <p:nvPicPr>
+          <p:cNvPr id="7" name=""/>
+          <p:cNvPicPr>
+            <a:picLocks noChangeAspect="1"/>
+          </p:cNvPicPr>
+          <p:nvPr/>
+        </p:nvPicPr>
+        <p:blipFill rotWithShape="1">
+          <a:blip r:embed="rId3"/>
+          <a:stretch>
+            <a:fillRect/>
+          </a:stretch>
+        </p:blipFill>
+        <p:spPr>
+          <a:xfrm>
+            <a:off x="5149074" y="358775"/>
+            <a:ext cx="4442459" cy="3695700"/>
+          </a:xfrm>
+          <a:prstGeom prst="rect">
+            <a:avLst/>
+          </a:prstGeom>
+        </p:spPr>
+      </p:pic>
+    </p:spTree>
+  </p:cSld>
+  <p:clrMapOvr>
+    <a:masterClrMapping/>
+  </p:clrMapOvr>
+  <mc:AlternateContent xmlns:mc="http://schemas.openxmlformats.org/markup-compatibility/2006">
+    <mc:Choice xmlns:p14="http://schemas.microsoft.com/office/powerpoint/2010/main" Requires="p14">
+      <p:transition xmlns:mc="http://schemas.openxmlformats.org/markup-compatibility/2006" xmlns:p14="http://schemas.microsoft.com/office/powerpoint/2010/main" mc:Ignorable="p14" p14:dur="500"/>
+    </mc:Choice>
+    <mc:Fallback>
+      <p:transition/>
+    </mc:Fallback>
+  </mc:AlternateContent>
+</p:sld>
+</file>
+
+<file path=ppt/slides/slide7.xml><?xml version="1.0" encoding="utf-8"?>
+<p:sld xmlns:r="http://schemas.openxmlformats.org/officeDocument/2006/relationships" xmlns:c="http://schemas.openxmlformats.org/drawingml/2006/chart" xmlns:a="http://schemas.openxmlformats.org/drawingml/2006/main" xmlns:dgm="http://schemas.openxmlformats.org/drawingml/2006/diagram" xmlns:dsp="http://schemas.microsoft.com/office/drawing/2008/diagram" xmlns:p="http://schemas.openxmlformats.org/presentationml/2006/main">
+  <p:cSld>
+    <p:spTree>
+      <p:nvGrpSpPr>
+        <p:cNvPr id="1" name=""/>
+        <p:cNvGrpSpPr/>
+        <p:nvPr/>
+      </p:nvGrpSpPr>
+      <p:grpSpPr>
+        <a:xfrm>
+          <a:off x="0" y="0"/>
+          <a:ext cx="0" cy="0"/>
+          <a:chOff x="0" y="0"/>
+          <a:chExt cx="0" cy="0"/>
+        </a:xfrm>
+      </p:grpSpPr>
+      <p:pic>
+        <p:nvPicPr>
+          <p:cNvPr id="4" name=""/>
+          <p:cNvPicPr>
+            <a:picLocks noChangeAspect="1"/>
+          </p:cNvPicPr>
+          <p:nvPr/>
+        </p:nvPicPr>
+        <p:blipFill rotWithShape="1">
+          <a:blip r:embed="rId2"/>
+          <a:stretch>
+            <a:fillRect/>
+          </a:stretch>
+        </p:blipFill>
+        <p:spPr>
+          <a:xfrm>
+            <a:off x="614136" y="615950"/>
+            <a:ext cx="4434839" cy="3665220"/>
+          </a:xfrm>
+          <a:prstGeom prst="rect">
+            <a:avLst/>
+          </a:prstGeom>
+        </p:spPr>
+      </p:pic>
+      <p:sp>
+        <p:nvSpPr>
+          <p:cNvPr id="8" name=""/>
+          <p:cNvSpPr/>
+          <p:nvPr/>
+        </p:nvSpPr>
+        <p:spPr>
+          <a:xfrm>
+            <a:off x="328386" y="4281170"/>
+            <a:ext cx="10942864" cy="2248277"/>
+          </a:xfrm>
+          <a:prstGeom prst="rect">
+            <a:avLst/>
+          </a:prstGeom>
+          <a:noFill/>
+          <a:ln>
+            <a:noFill/>
+          </a:ln>
+        </p:spPr>
+        <p:style>
+          <a:lnRef idx="2">
+            <a:schemeClr val="accent1">
+              <a:shade val="20000"/>
+            </a:schemeClr>
+          </a:lnRef>
+          <a:fillRef idx="1">
+            <a:schemeClr val="accent1"/>
+          </a:fillRef>
+          <a:effectRef idx="0">
+            <a:schemeClr val="accent1"/>
+          </a:effectRef>
+          <a:fontRef idx="minor">
+            <a:schemeClr val="lt1"/>
+          </a:fontRef>
+        </p:style>
+        <p:txBody>
+          <a:bodyPr anchor="ctr"/>
+          <a:lstStyle/>
+          <a:p>
+            <a:pPr>
+              <a:defRPr/>
+            </a:pPr>
+            <a:r>
+              <a:rPr lang="ko-KR" altLang="en-US">
+                <a:solidFill>
+                  <a:schemeClr val="dk1"/>
+                </a:solidFill>
+              </a:rPr>
+              <a:t>환경 변수를 세팅하는 창</a:t>
+            </a:r>
+            <a:r>
+              <a:rPr lang="en-US" altLang="ko-KR">
+                <a:solidFill>
+                  <a:schemeClr val="dk1"/>
+                </a:solidFill>
+              </a:rPr>
+              <a:t>.</a:t>
+            </a:r>
+            <a:endParaRPr lang="en-US" altLang="ko-KR">
+              <a:solidFill>
+                <a:schemeClr val="dk1"/>
+              </a:solidFill>
+            </a:endParaRPr>
+          </a:p>
+          <a:p>
+            <a:pPr>
+              <a:defRPr/>
+            </a:pPr>
+            <a:r>
+              <a:rPr lang="en-US" altLang="ko-KR">
+                <a:solidFill>
+                  <a:schemeClr val="dk1"/>
+                </a:solidFill>
+              </a:rPr>
+              <a:t>1.</a:t>
+            </a:r>
+            <a:r>
+              <a:rPr lang="ko-KR" altLang="en-US">
+                <a:solidFill>
+                  <a:schemeClr val="dk1"/>
+                </a:solidFill>
+              </a:rPr>
+              <a:t> </a:t>
+            </a:r>
+            <a:r>
+              <a:rPr lang="en-US" altLang="ko-KR">
+                <a:solidFill>
+                  <a:schemeClr val="dk1"/>
+                </a:solidFill>
+              </a:rPr>
+              <a:t>Use Git from Git Bash only</a:t>
+            </a:r>
+            <a:endParaRPr lang="en-US" altLang="ko-KR">
+              <a:solidFill>
+                <a:schemeClr val="dk1"/>
+              </a:solidFill>
+            </a:endParaRPr>
+          </a:p>
+          <a:p>
+            <a:pPr>
+              <a:defRPr/>
+            </a:pPr>
+            <a:r>
+              <a:rPr lang="en-US" altLang="ko-KR">
+                <a:solidFill>
+                  <a:schemeClr val="dk1"/>
+                </a:solidFill>
+              </a:rPr>
+              <a:t> - </a:t>
+            </a:r>
+            <a:r>
+              <a:rPr lang="ko-KR" altLang="en-US">
+                <a:solidFill>
+                  <a:schemeClr val="dk1"/>
+                </a:solidFill>
+              </a:rPr>
+              <a:t>깃 명령어를 </a:t>
+            </a:r>
+            <a:r>
+              <a:rPr lang="en-US" altLang="ko-KR">
+                <a:solidFill>
+                  <a:schemeClr val="dk1"/>
+                </a:solidFill>
+              </a:rPr>
+              <a:t>Git Bash </a:t>
+            </a:r>
+            <a:r>
+              <a:rPr lang="ko-KR" altLang="en-US">
+                <a:solidFill>
+                  <a:schemeClr val="dk1"/>
+                </a:solidFill>
+              </a:rPr>
+              <a:t>안에서만 수행가능하도록 한다</a:t>
+            </a:r>
+            <a:endParaRPr lang="ko-KR" altLang="en-US">
+              <a:solidFill>
+                <a:schemeClr val="dk1"/>
+              </a:solidFill>
+            </a:endParaRPr>
+          </a:p>
+          <a:p>
+            <a:pPr>
+              <a:defRPr/>
+            </a:pPr>
+            <a:r>
+              <a:rPr lang="en-US" altLang="ko-KR">
+                <a:solidFill>
+                  <a:schemeClr val="dk1"/>
+                </a:solidFill>
+              </a:rPr>
+              <a:t>2.</a:t>
+            </a:r>
+            <a:r>
+              <a:rPr lang="ko-KR" altLang="en-US">
+                <a:solidFill>
+                  <a:schemeClr val="dk1"/>
+                </a:solidFill>
+              </a:rPr>
+              <a:t> </a:t>
+            </a:r>
+            <a:r>
+              <a:rPr lang="en-US" altLang="ko-KR">
+                <a:solidFill>
+                  <a:schemeClr val="dk1"/>
+                </a:solidFill>
+              </a:rPr>
+              <a:t>Git from the command line and also from 3rd-party software</a:t>
+            </a:r>
+            <a:endParaRPr lang="en-US" altLang="ko-KR">
+              <a:solidFill>
+                <a:schemeClr val="dk1"/>
+              </a:solidFill>
+            </a:endParaRPr>
+          </a:p>
+          <a:p>
+            <a:pPr>
+              <a:defRPr/>
+            </a:pPr>
+            <a:r>
+              <a:rPr lang="ko-KR" altLang="en-US">
+                <a:solidFill>
+                  <a:schemeClr val="dk1"/>
+                </a:solidFill>
+              </a:rPr>
+              <a:t> </a:t>
+            </a:r>
+            <a:r>
+              <a:rPr lang="en-US" altLang="ko-KR">
+                <a:solidFill>
+                  <a:schemeClr val="dk1"/>
+                </a:solidFill>
+              </a:rPr>
+              <a:t>-</a:t>
+            </a:r>
+            <a:r>
+              <a:rPr lang="ko-KR" altLang="en-US">
+                <a:solidFill>
+                  <a:schemeClr val="dk1"/>
+                </a:solidFill>
+              </a:rPr>
+              <a:t> </a:t>
+            </a:r>
+            <a:r>
+              <a:rPr lang="en-US" altLang="ko-KR">
+                <a:solidFill>
+                  <a:schemeClr val="dk1"/>
+                </a:solidFill>
+              </a:rPr>
+              <a:t>Git</a:t>
+            </a:r>
+            <a:r>
+              <a:rPr lang="ko-KR" altLang="en-US">
+                <a:solidFill>
+                  <a:schemeClr val="dk1"/>
+                </a:solidFill>
+              </a:rPr>
+              <a:t>을 환경변수에 등록하고</a:t>
+            </a:r>
+            <a:r>
+              <a:rPr lang="en-US" altLang="ko-KR">
+                <a:solidFill>
+                  <a:schemeClr val="dk1"/>
+                </a:solidFill>
+              </a:rPr>
+              <a:t>,</a:t>
+            </a:r>
+            <a:r>
+              <a:rPr lang="ko-KR" altLang="en-US">
+                <a:solidFill>
+                  <a:schemeClr val="dk1"/>
+                </a:solidFill>
+              </a:rPr>
+              <a:t> </a:t>
+            </a:r>
+            <a:r>
+              <a:rPr lang="en-US" altLang="ko-KR">
+                <a:solidFill>
+                  <a:schemeClr val="dk1"/>
+                </a:solidFill>
+              </a:rPr>
+              <a:t>Git</a:t>
+            </a:r>
+            <a:r>
+              <a:rPr lang="ko-KR" altLang="en-US">
+                <a:solidFill>
+                  <a:schemeClr val="dk1"/>
+                </a:solidFill>
+              </a:rPr>
+              <a:t>을 </a:t>
+            </a:r>
+            <a:r>
+              <a:rPr lang="en-US" altLang="ko-KR">
+                <a:solidFill>
+                  <a:schemeClr val="dk1"/>
+                </a:solidFill>
+              </a:rPr>
+              <a:t>Git Bash, cmd, powerShell</a:t>
+            </a:r>
+            <a:r>
+              <a:rPr lang="ko-KR" altLang="en-US">
+                <a:solidFill>
+                  <a:schemeClr val="dk1"/>
+                </a:solidFill>
+              </a:rPr>
+              <a:t> 등에서 사용할 수 있도록 만들어 준다</a:t>
+            </a:r>
+            <a:r>
+              <a:rPr lang="en-US" altLang="ko-KR">
+                <a:solidFill>
+                  <a:schemeClr val="dk1"/>
+                </a:solidFill>
+              </a:rPr>
+              <a:t>.</a:t>
+            </a:r>
+            <a:endParaRPr lang="en-US" altLang="ko-KR">
+              <a:solidFill>
+                <a:schemeClr val="dk1"/>
+              </a:solidFill>
+            </a:endParaRPr>
+          </a:p>
+          <a:p>
+            <a:pPr>
+              <a:defRPr/>
+            </a:pPr>
+            <a:r>
+              <a:rPr lang="en-US" altLang="ko-KR">
+                <a:solidFill>
+                  <a:schemeClr val="dk1"/>
+                </a:solidFill>
+              </a:rPr>
+              <a:t>3. Use Git and optional Unix tools from the Command Prompt</a:t>
+            </a:r>
+            <a:endParaRPr lang="en-US" altLang="ko-KR">
+              <a:solidFill>
+                <a:schemeClr val="dk1"/>
+              </a:solidFill>
+            </a:endParaRPr>
+          </a:p>
+          <a:p>
+            <a:pPr>
+              <a:defRPr/>
+            </a:pPr>
+            <a:r>
+              <a:rPr lang="ko-KR" altLang="en-US">
+                <a:solidFill>
+                  <a:schemeClr val="dk1"/>
+                </a:solidFill>
+              </a:rPr>
+              <a:t> </a:t>
+            </a:r>
+            <a:r>
+              <a:rPr lang="en-US" altLang="ko-KR">
+                <a:solidFill>
+                  <a:schemeClr val="dk1"/>
+                </a:solidFill>
+              </a:rPr>
+              <a:t>-</a:t>
+            </a:r>
+            <a:r>
+              <a:rPr lang="ko-KR" altLang="en-US">
+                <a:solidFill>
+                  <a:schemeClr val="dk1"/>
+                </a:solidFill>
+              </a:rPr>
+              <a:t> </a:t>
+            </a:r>
+            <a:r>
+              <a:rPr lang="en-US" altLang="ko-KR">
+                <a:solidFill>
+                  <a:schemeClr val="dk1"/>
+                </a:solidFill>
+              </a:rPr>
+              <a:t>cmd</a:t>
+            </a:r>
+            <a:r>
+              <a:rPr lang="ko-KR" altLang="en-US">
+                <a:solidFill>
+                  <a:schemeClr val="dk1"/>
+                </a:solidFill>
+              </a:rPr>
+              <a:t>에서 </a:t>
+            </a:r>
+            <a:r>
+              <a:rPr lang="en-US" altLang="ko-KR">
+                <a:solidFill>
+                  <a:schemeClr val="dk1"/>
+                </a:solidFill>
+              </a:rPr>
+              <a:t>Git</a:t>
+            </a:r>
+            <a:r>
+              <a:rPr lang="ko-KR" altLang="en-US">
+                <a:solidFill>
+                  <a:schemeClr val="dk1"/>
+                </a:solidFill>
+              </a:rPr>
+              <a:t>말고도 여러가지 </a:t>
+            </a:r>
+            <a:r>
+              <a:rPr lang="en-US" altLang="ko-KR">
+                <a:solidFill>
+                  <a:schemeClr val="dk1"/>
+                </a:solidFill>
+              </a:rPr>
+              <a:t>Unix </a:t>
+            </a:r>
+            <a:r>
+              <a:rPr lang="ko-KR" altLang="en-US">
+                <a:solidFill>
+                  <a:schemeClr val="dk1"/>
+                </a:solidFill>
+              </a:rPr>
+              <a:t>툴을 사용하게 만들어 준다</a:t>
+            </a:r>
+            <a:r>
+              <a:rPr lang="en-US" altLang="ko-KR">
+                <a:solidFill>
+                  <a:schemeClr val="dk1"/>
+                </a:solidFill>
+              </a:rPr>
+              <a:t>.</a:t>
+            </a:r>
+            <a:endParaRPr lang="en-US" altLang="ko-KR">
+              <a:solidFill>
+                <a:schemeClr val="dk1"/>
+              </a:solidFill>
+            </a:endParaRPr>
+          </a:p>
+        </p:txBody>
+      </p:sp>
+    </p:spTree>
+  </p:cSld>
+  <p:clrMapOvr>
+    <a:masterClrMapping/>
+  </p:clrMapOvr>
+  <mc:AlternateContent xmlns:mc="http://schemas.openxmlformats.org/markup-compatibility/2006">
+    <mc:Choice xmlns:p14="http://schemas.microsoft.com/office/powerpoint/2010/main" Requires="p14">
+      <p:transition xmlns:mc="http://schemas.openxmlformats.org/markup-compatibility/2006" xmlns:p14="http://schemas.microsoft.com/office/powerpoint/2010/main" mc:Ignorable="p14" p14:dur="500"/>
+    </mc:Choice>
+    <mc:Fallback>
+      <p:transition/>
+    </mc:Fallback>
+  </mc:AlternateContent>
+</p:sld>
+</file>
+
+<file path=ppt/slides/slide8.xml><?xml version="1.0" encoding="utf-8"?>
+<p:sld xmlns:r="http://schemas.openxmlformats.org/officeDocument/2006/relationships" xmlns:c="http://schemas.openxmlformats.org/drawingml/2006/chart" xmlns:a="http://schemas.openxmlformats.org/drawingml/2006/main" xmlns:dgm="http://schemas.openxmlformats.org/drawingml/2006/diagram" xmlns:dsp="http://schemas.microsoft.com/office/drawing/2008/diagram" xmlns:p="http://schemas.openxmlformats.org/presentationml/2006/main">
+  <p:cSld>
+    <p:spTree>
+      <p:nvGrpSpPr>
+        <p:cNvPr id="1" name=""/>
+        <p:cNvGrpSpPr/>
+        <p:nvPr/>
+      </p:nvGrpSpPr>
+      <p:grpSpPr>
+        <a:xfrm>
+          <a:off x="0" y="0"/>
+          <a:ext cx="0" cy="0"/>
+          <a:chOff x="0" y="0"/>
+          <a:chExt cx="0" cy="0"/>
+        </a:xfrm>
+      </p:grpSpPr>
+      <p:pic>
+        <p:nvPicPr>
+          <p:cNvPr id="4" name=""/>
+          <p:cNvPicPr>
+            <a:picLocks noChangeAspect="1"/>
+          </p:cNvPicPr>
+          <p:nvPr/>
+        </p:nvPicPr>
+        <p:blipFill rotWithShape="1">
+          <a:blip r:embed="rId2"/>
+          <a:stretch>
+            <a:fillRect/>
+          </a:stretch>
+        </p:blipFill>
+        <p:spPr>
+          <a:xfrm>
+            <a:off x="4957231" y="295275"/>
+            <a:ext cx="4434839" cy="3680460"/>
+          </a:xfrm>
+          <a:prstGeom prst="rect">
+            <a:avLst/>
+          </a:prstGeom>
+        </p:spPr>
+      </p:pic>
+      <p:pic>
+        <p:nvPicPr>
+          <p:cNvPr id="6" name=""/>
+          <p:cNvPicPr>
+            <a:picLocks noChangeAspect="1"/>
+          </p:cNvPicPr>
+          <p:nvPr/>
+        </p:nvPicPr>
+        <p:blipFill rotWithShape="1">
+          <a:blip r:embed="rId3"/>
+          <a:stretch>
+            <a:fillRect/>
+          </a:stretch>
+        </p:blipFill>
+        <p:spPr>
+          <a:xfrm>
+            <a:off x="259479" y="310515"/>
+            <a:ext cx="4434838" cy="3665219"/>
+          </a:xfrm>
+          <a:prstGeom prst="rect">
+            <a:avLst/>
+          </a:prstGeom>
+        </p:spPr>
+      </p:pic>
+      <p:sp>
+        <p:nvSpPr>
+          <p:cNvPr id="7" name=""/>
+          <p:cNvSpPr/>
+          <p:nvPr/>
+        </p:nvSpPr>
+        <p:spPr>
+          <a:xfrm>
+            <a:off x="624568" y="3975735"/>
+            <a:ext cx="10942864" cy="2882264"/>
+          </a:xfrm>
+          <a:prstGeom prst="rect">
+            <a:avLst/>
+          </a:prstGeom>
+          <a:noFill/>
+          <a:ln>
+            <a:noFill/>
+          </a:ln>
+        </p:spPr>
+        <p:style>
+          <a:lnRef idx="2">
+            <a:schemeClr val="accent1">
+              <a:shade val="20000"/>
+            </a:schemeClr>
+          </a:lnRef>
+          <a:fillRef idx="1">
+            <a:schemeClr val="accent1"/>
+          </a:fillRef>
+          <a:effectRef idx="0">
+            <a:schemeClr val="accent1"/>
+          </a:effectRef>
+          <a:fontRef idx="minor">
+            <a:schemeClr val="lt1"/>
+          </a:fontRef>
+        </p:style>
+        <p:txBody>
+          <a:bodyPr anchor="ctr"/>
+          <a:lstStyle/>
+          <a:p>
+            <a:pPr>
+              <a:defRPr/>
+            </a:pPr>
+            <a:r>
+              <a:rPr lang="en-US" altLang="ko-KR">
+                <a:solidFill>
+                  <a:schemeClr val="dk1"/>
+                </a:solidFill>
+              </a:rPr>
+              <a:t>1.</a:t>
+            </a:r>
+            <a:r>
+              <a:rPr lang="ko-KR" altLang="en-US">
+                <a:solidFill>
+                  <a:schemeClr val="dk1"/>
+                </a:solidFill>
+              </a:rPr>
+              <a:t> </a:t>
+            </a:r>
+            <a:r>
+              <a:rPr lang="en-US" altLang="ko-KR">
+                <a:solidFill>
+                  <a:schemeClr val="dk1"/>
+                </a:solidFill>
+              </a:rPr>
+              <a:t>Git</a:t>
+            </a:r>
+            <a:r>
+              <a:rPr lang="ko-KR" altLang="en-US">
+                <a:solidFill>
+                  <a:schemeClr val="dk1"/>
+                </a:solidFill>
+              </a:rPr>
+              <a:t>에서 사용할 </a:t>
+            </a:r>
+            <a:r>
+              <a:rPr lang="en-US" altLang="ko-KR">
+                <a:solidFill>
+                  <a:schemeClr val="dk1"/>
+                </a:solidFill>
+              </a:rPr>
+              <a:t>SSH</a:t>
+            </a:r>
+            <a:r>
+              <a:rPr lang="ko-KR" altLang="en-US">
+                <a:solidFill>
+                  <a:schemeClr val="dk1"/>
+                </a:solidFill>
+              </a:rPr>
+              <a:t>의</a:t>
+            </a:r>
+            <a:r>
+              <a:rPr lang="en-US" altLang="ko-KR">
+                <a:solidFill>
+                  <a:schemeClr val="dk1"/>
+                </a:solidFill>
+              </a:rPr>
+              <a:t> </a:t>
+            </a:r>
+            <a:r>
+              <a:rPr lang="ko-KR" altLang="en-US">
+                <a:solidFill>
+                  <a:schemeClr val="dk1"/>
+                </a:solidFill>
+              </a:rPr>
+              <a:t>종류를 선택하는 창</a:t>
+            </a:r>
+            <a:endParaRPr lang="ko-KR" altLang="en-US">
+              <a:solidFill>
+                <a:schemeClr val="dk1"/>
+              </a:solidFill>
+            </a:endParaRPr>
+          </a:p>
+          <a:p>
+            <a:pPr>
+              <a:defRPr/>
+            </a:pPr>
+            <a:r>
+              <a:rPr lang="en-US" altLang="ko-KR">
+                <a:solidFill>
+                  <a:schemeClr val="dk1"/>
+                </a:solidFill>
+              </a:rPr>
+              <a:t>1-1.</a:t>
+            </a:r>
+            <a:r>
+              <a:rPr lang="ko-KR" altLang="en-US">
+                <a:solidFill>
+                  <a:schemeClr val="dk1"/>
+                </a:solidFill>
+              </a:rPr>
+              <a:t> </a:t>
+            </a:r>
+            <a:r>
+              <a:rPr lang="en-US" altLang="ko-KR">
+                <a:solidFill>
+                  <a:schemeClr val="dk1"/>
+                </a:solidFill>
+              </a:rPr>
+              <a:t>SSH</a:t>
+            </a:r>
+            <a:r>
+              <a:rPr lang="ko-KR" altLang="en-US">
+                <a:solidFill>
+                  <a:schemeClr val="dk1"/>
+                </a:solidFill>
+              </a:rPr>
+              <a:t>를 이용</a:t>
+            </a:r>
+            <a:endParaRPr lang="ko-KR" altLang="en-US">
+              <a:solidFill>
+                <a:schemeClr val="dk1"/>
+              </a:solidFill>
+            </a:endParaRPr>
+          </a:p>
+          <a:p>
+            <a:pPr>
+              <a:defRPr/>
+            </a:pPr>
+            <a:r>
+              <a:rPr lang="en-US" altLang="ko-KR">
+                <a:solidFill>
+                  <a:schemeClr val="dk1"/>
+                </a:solidFill>
+              </a:rPr>
+              <a:t>1-2.</a:t>
+            </a:r>
+            <a:r>
+              <a:rPr lang="ko-KR" altLang="en-US">
+                <a:solidFill>
+                  <a:schemeClr val="dk1"/>
+                </a:solidFill>
+              </a:rPr>
+              <a:t> </a:t>
+            </a:r>
+            <a:r>
+              <a:rPr lang="en-US" altLang="ko-KR">
+                <a:solidFill>
+                  <a:schemeClr val="dk1"/>
+                </a:solidFill>
+              </a:rPr>
+              <a:t>PuTTY</a:t>
+            </a:r>
+            <a:r>
+              <a:rPr lang="ko-KR" altLang="en-US">
+                <a:solidFill>
+                  <a:schemeClr val="dk1"/>
+                </a:solidFill>
+              </a:rPr>
+              <a:t>를 이용</a:t>
+            </a:r>
+            <a:endParaRPr lang="ko-KR" altLang="en-US">
+              <a:solidFill>
+                <a:schemeClr val="dk1"/>
+              </a:solidFill>
+            </a:endParaRPr>
+          </a:p>
+          <a:p>
+            <a:pPr>
+              <a:defRPr/>
+            </a:pPr>
+            <a:r>
+              <a:rPr lang="en-US" altLang="ko-KR">
+                <a:solidFill>
+                  <a:schemeClr val="dk1"/>
+                </a:solidFill>
+              </a:rPr>
+              <a:t>2.</a:t>
+            </a:r>
+            <a:r>
+              <a:rPr lang="ko-KR" altLang="en-US">
+                <a:solidFill>
+                  <a:schemeClr val="dk1"/>
+                </a:solidFill>
+              </a:rPr>
+              <a:t> </a:t>
+            </a:r>
+            <a:r>
+              <a:rPr lang="en-US" altLang="ko-KR">
+                <a:solidFill>
+                  <a:schemeClr val="dk1"/>
+                </a:solidFill>
+              </a:rPr>
+              <a:t>https</a:t>
+            </a:r>
+            <a:r>
+              <a:rPr lang="ko-KR" altLang="en-US">
+                <a:solidFill>
+                  <a:schemeClr val="dk1"/>
+                </a:solidFill>
+              </a:rPr>
+              <a:t> 전송시 인증서를 선택하는 창</a:t>
+            </a:r>
+            <a:endParaRPr lang="ko-KR" altLang="en-US">
+              <a:solidFill>
+                <a:schemeClr val="dk1"/>
+              </a:solidFill>
+            </a:endParaRPr>
+          </a:p>
+          <a:p>
+            <a:pPr>
+              <a:defRPr/>
+            </a:pPr>
+            <a:r>
+              <a:rPr lang="en-US" altLang="ko-KR">
+                <a:solidFill>
+                  <a:schemeClr val="dk1"/>
+                </a:solidFill>
+              </a:rPr>
+              <a:t>2-1.</a:t>
+            </a:r>
+            <a:r>
+              <a:rPr lang="ko-KR" altLang="en-US">
+                <a:solidFill>
+                  <a:schemeClr val="dk1"/>
+                </a:solidFill>
+              </a:rPr>
+              <a:t> </a:t>
+            </a:r>
+            <a:r>
+              <a:rPr lang="en-US" altLang="ko-KR">
+                <a:solidFill>
+                  <a:schemeClr val="dk1"/>
+                </a:solidFill>
+              </a:rPr>
+              <a:t>OpenSSL</a:t>
+            </a:r>
+            <a:r>
+              <a:rPr lang="ko-KR" altLang="en-US">
+                <a:solidFill>
+                  <a:schemeClr val="dk1"/>
+                </a:solidFill>
+              </a:rPr>
+              <a:t> 라이브러리를 사용</a:t>
+            </a:r>
+            <a:endParaRPr lang="ko-KR" altLang="en-US">
+              <a:solidFill>
+                <a:schemeClr val="dk1"/>
+              </a:solidFill>
+            </a:endParaRPr>
+          </a:p>
+          <a:p>
+            <a:pPr>
+              <a:defRPr/>
+            </a:pPr>
+            <a:r>
+              <a:rPr lang="en-US" altLang="ko-KR">
+                <a:solidFill>
+                  <a:schemeClr val="dk1"/>
+                </a:solidFill>
+              </a:rPr>
+              <a:t>2-2.</a:t>
+            </a:r>
+            <a:r>
+              <a:rPr lang="ko-KR" altLang="en-US">
+                <a:solidFill>
+                  <a:schemeClr val="dk1"/>
+                </a:solidFill>
+              </a:rPr>
+              <a:t>  윈도우 인증서 저장소를 사용</a:t>
+            </a:r>
+            <a:endParaRPr lang="ko-KR" altLang="en-US">
+              <a:solidFill>
+                <a:schemeClr val="dk1"/>
+              </a:solidFill>
+            </a:endParaRPr>
+          </a:p>
+        </p:txBody>
+      </p:sp>
+    </p:spTree>
+  </p:cSld>
+  <p:clrMapOvr>
+    <a:masterClrMapping/>
+  </p:clrMapOvr>
+  <mc:AlternateContent xmlns:mc="http://schemas.openxmlformats.org/markup-compatibility/2006">
+    <mc:Choice xmlns:p14="http://schemas.microsoft.com/office/powerpoint/2010/main" Requires="p14">
+      <p:transition xmlns:mc="http://schemas.openxmlformats.org/markup-compatibility/2006" xmlns:p14="http://schemas.microsoft.com/office/powerpoint/2010/main" mc:Ignorable="p14" p14:dur="500"/>
+    </mc:Choice>
+    <mc:Fallback>
+      <p:transition/>
+    </mc:Fallback>
+  </mc:AlternateContent>
+</p:sld>
+</file>
+
+<file path=ppt/slides/slide9.xml><?xml version="1.0" encoding="utf-8"?>
+<p:sld xmlns:r="http://schemas.openxmlformats.org/officeDocument/2006/relationships" xmlns:c="http://schemas.openxmlformats.org/drawingml/2006/chart" xmlns:a="http://schemas.openxmlformats.org/drawingml/2006/main" xmlns:dgm="http://schemas.openxmlformats.org/drawingml/2006/diagram" xmlns:dsp="http://schemas.microsoft.com/office/drawing/2008/diagram" xmlns:p="http://schemas.openxmlformats.org/presentationml/2006/main">
+  <p:cSld>
+    <p:spTree>
+      <p:nvGrpSpPr>
+        <p:cNvPr id="1" name=""/>
+        <p:cNvGrpSpPr/>
+        <p:nvPr/>
+      </p:nvGrpSpPr>
+      <p:grpSpPr>
+        <a:xfrm>
+          <a:off x="0" y="0"/>
+          <a:ext cx="0" cy="0"/>
+          <a:chOff x="0" y="0"/>
+          <a:chExt cx="0" cy="0"/>
+        </a:xfrm>
+      </p:grpSpPr>
+      <p:pic>
+        <p:nvPicPr>
+          <p:cNvPr id="4" name=""/>
+          <p:cNvPicPr>
+            <a:picLocks noChangeAspect="1"/>
+          </p:cNvPicPr>
+          <p:nvPr/>
+        </p:nvPicPr>
+        <p:blipFill rotWithShape="1">
+          <a:blip r:embed="rId2"/>
+          <a:stretch>
+            <a:fillRect/>
+          </a:stretch>
+        </p:blipFill>
+        <p:spPr>
+          <a:xfrm>
+            <a:off x="6096000" y="504825"/>
+            <a:ext cx="3756081" cy="3109595"/>
+          </a:xfrm>
+          <a:prstGeom prst="rect">
+            <a:avLst/>
+          </a:prstGeom>
+        </p:spPr>
+      </p:pic>
+      <p:pic>
+        <p:nvPicPr>
+          <p:cNvPr id="6" name=""/>
+          <p:cNvPicPr>
+            <a:picLocks noChangeAspect="1"/>
+          </p:cNvPicPr>
+          <p:nvPr/>
+        </p:nvPicPr>
+        <p:blipFill rotWithShape="1">
+          <a:blip r:embed="rId3"/>
+          <a:stretch>
+            <a:fillRect/>
+          </a:stretch>
+        </p:blipFill>
+        <p:spPr>
+          <a:xfrm>
+            <a:off x="967526" y="504825"/>
+            <a:ext cx="3776875" cy="3117215"/>
+          </a:xfrm>
+          <a:prstGeom prst="rect">
+            <a:avLst/>
+          </a:prstGeom>
+        </p:spPr>
+      </p:pic>
+      <p:sp>
+        <p:nvSpPr>
+          <p:cNvPr id="7" name=""/>
+          <p:cNvSpPr/>
+          <p:nvPr/>
+        </p:nvSpPr>
+        <p:spPr>
+          <a:xfrm>
+            <a:off x="624568" y="3614421"/>
+            <a:ext cx="10942864" cy="3243579"/>
+          </a:xfrm>
+          <a:prstGeom prst="rect">
+            <a:avLst/>
+          </a:prstGeom>
+          <a:noFill/>
+          <a:ln>
+            <a:noFill/>
+          </a:ln>
+        </p:spPr>
+        <p:style>
+          <a:lnRef idx="2">
+            <a:schemeClr val="accent1">
+              <a:shade val="20000"/>
+            </a:schemeClr>
+          </a:lnRef>
+          <a:fillRef idx="1">
+            <a:schemeClr val="accent1"/>
+          </a:fillRef>
+          <a:effectRef idx="0">
+            <a:schemeClr val="accent1"/>
+          </a:effectRef>
+          <a:fontRef idx="minor">
+            <a:schemeClr val="lt1"/>
+          </a:fontRef>
+        </p:style>
+        <p:txBody>
+          <a:bodyPr anchor="ctr"/>
+          <a:lstStyle/>
+          <a:p>
+            <a:pPr>
+              <a:defRPr/>
+            </a:pPr>
+            <a:r>
+              <a:rPr lang="en-US" altLang="ko-KR">
+                <a:solidFill>
+                  <a:schemeClr val="dk1"/>
+                </a:solidFill>
+              </a:rPr>
+              <a:t>1.</a:t>
+            </a:r>
+            <a:r>
+              <a:rPr lang="ko-KR" altLang="en-US">
+                <a:solidFill>
+                  <a:schemeClr val="dk1"/>
+                </a:solidFill>
+              </a:rPr>
+              <a:t> 줄 바꿈 옵션을 선택하는 창</a:t>
+            </a:r>
+            <a:endParaRPr lang="ko-KR" altLang="en-US">
+              <a:solidFill>
+                <a:schemeClr val="dk1"/>
+              </a:solidFill>
+            </a:endParaRPr>
+          </a:p>
+          <a:p>
+            <a:pPr>
+              <a:defRPr/>
+            </a:pPr>
+            <a:r>
+              <a:rPr lang="en-US" altLang="ko-KR">
+                <a:solidFill>
+                  <a:schemeClr val="dk1"/>
+                </a:solidFill>
+              </a:rPr>
+              <a:t>1-1 Checkout Windows-style, commit Unix-style line endings</a:t>
+            </a:r>
+            <a:endParaRPr lang="en-US" altLang="ko-KR">
+              <a:solidFill>
+                <a:schemeClr val="dk1"/>
+              </a:solidFill>
+            </a:endParaRPr>
+          </a:p>
+          <a:p>
+            <a:pPr>
+              <a:defRPr/>
+            </a:pPr>
+            <a:r>
+              <a:rPr lang="en-US" altLang="ko-KR">
+                <a:solidFill>
+                  <a:schemeClr val="dk1"/>
+                </a:solidFill>
+              </a:rPr>
+              <a:t> - </a:t>
+            </a:r>
+            <a:r>
+              <a:rPr lang="ko-KR" altLang="en-US">
+                <a:solidFill>
+                  <a:schemeClr val="dk1"/>
+                </a:solidFill>
+              </a:rPr>
+              <a:t>체크아웃할 때는 윈도우 스타일</a:t>
+            </a:r>
+            <a:r>
+              <a:rPr lang="en-US" altLang="ko-KR">
+                <a:solidFill>
+                  <a:schemeClr val="dk1"/>
+                </a:solidFill>
+              </a:rPr>
+              <a:t>,</a:t>
+            </a:r>
+            <a:r>
+              <a:rPr lang="ko-KR" altLang="en-US">
+                <a:solidFill>
+                  <a:schemeClr val="dk1"/>
+                </a:solidFill>
+              </a:rPr>
+              <a:t> 커밋할 때는 유닉스 스타일을 적용</a:t>
+            </a:r>
+            <a:endParaRPr lang="ko-KR" altLang="en-US">
+              <a:solidFill>
+                <a:schemeClr val="dk1"/>
+              </a:solidFill>
+            </a:endParaRPr>
+          </a:p>
+          <a:p>
+            <a:pPr>
+              <a:defRPr/>
+            </a:pPr>
+            <a:r>
+              <a:rPr lang="en-US" altLang="ko-KR">
+                <a:solidFill>
+                  <a:schemeClr val="dk1"/>
+                </a:solidFill>
+              </a:rPr>
+              <a:t>1-2. Checkout as-is, commit Unix-style line endings</a:t>
+            </a:r>
+            <a:endParaRPr lang="en-US" altLang="ko-KR">
+              <a:solidFill>
+                <a:schemeClr val="dk1"/>
+              </a:solidFill>
+            </a:endParaRPr>
+          </a:p>
+          <a:p>
+            <a:pPr>
+              <a:defRPr/>
+            </a:pPr>
+            <a:r>
+              <a:rPr lang="ko-KR" altLang="en-US">
+                <a:solidFill>
+                  <a:schemeClr val="dk1"/>
+                </a:solidFill>
+              </a:rPr>
+              <a:t> </a:t>
+            </a:r>
+            <a:r>
+              <a:rPr lang="en-US" altLang="ko-KR">
+                <a:solidFill>
+                  <a:schemeClr val="dk1"/>
+                </a:solidFill>
+              </a:rPr>
+              <a:t>-</a:t>
+            </a:r>
+            <a:r>
+              <a:rPr lang="ko-KR" altLang="en-US">
+                <a:solidFill>
+                  <a:schemeClr val="dk1"/>
+                </a:solidFill>
+              </a:rPr>
+              <a:t> 체크아웃할 때는 스타일</a:t>
+            </a:r>
+            <a:r>
+              <a:rPr lang="en-US" altLang="ko-KR">
+                <a:solidFill>
+                  <a:schemeClr val="dk1"/>
+                </a:solidFill>
+              </a:rPr>
+              <a:t> </a:t>
+            </a:r>
+            <a:r>
+              <a:rPr lang="ko-KR" altLang="en-US">
+                <a:solidFill>
+                  <a:schemeClr val="dk1"/>
+                </a:solidFill>
+              </a:rPr>
+              <a:t>변환을</a:t>
+            </a:r>
+            <a:r>
+              <a:rPr lang="en-US" altLang="ko-KR">
+                <a:solidFill>
+                  <a:schemeClr val="dk1"/>
+                </a:solidFill>
+              </a:rPr>
+              <a:t> </a:t>
+            </a:r>
+            <a:r>
+              <a:rPr lang="ko-KR" altLang="en-US">
+                <a:solidFill>
+                  <a:schemeClr val="dk1"/>
+                </a:solidFill>
+              </a:rPr>
+              <a:t>하지 않고</a:t>
+            </a:r>
+            <a:r>
+              <a:rPr lang="en-US" altLang="ko-KR">
+                <a:solidFill>
+                  <a:schemeClr val="dk1"/>
+                </a:solidFill>
+              </a:rPr>
+              <a:t>,</a:t>
+            </a:r>
+            <a:r>
+              <a:rPr lang="ko-KR" altLang="en-US">
+                <a:solidFill>
+                  <a:schemeClr val="dk1"/>
+                </a:solidFill>
+              </a:rPr>
+              <a:t> 커밋할 때만 유닉스 스타일 적용</a:t>
+            </a:r>
+            <a:endParaRPr lang="ko-KR" altLang="en-US">
+              <a:solidFill>
+                <a:schemeClr val="dk1"/>
+              </a:solidFill>
+            </a:endParaRPr>
+          </a:p>
+          <a:p>
+            <a:pPr>
+              <a:defRPr/>
+            </a:pPr>
+            <a:r>
+              <a:rPr lang="en-US" altLang="ko-KR">
+                <a:solidFill>
+                  <a:schemeClr val="dk1"/>
+                </a:solidFill>
+              </a:rPr>
+              <a:t>1-3. Checkout as-is, commit as-is</a:t>
+            </a:r>
+            <a:endParaRPr lang="en-US" altLang="ko-KR">
+              <a:solidFill>
+                <a:schemeClr val="dk1"/>
+              </a:solidFill>
+            </a:endParaRPr>
+          </a:p>
+          <a:p>
+            <a:pPr>
+              <a:defRPr/>
+            </a:pPr>
+            <a:r>
+              <a:rPr lang="ko-KR" altLang="en-US">
+                <a:solidFill>
+                  <a:schemeClr val="dk1"/>
+                </a:solidFill>
+              </a:rPr>
+              <a:t> </a:t>
+            </a:r>
+            <a:r>
+              <a:rPr lang="en-US" altLang="ko-KR">
+                <a:solidFill>
+                  <a:schemeClr val="dk1"/>
+                </a:solidFill>
+              </a:rPr>
+              <a:t>-</a:t>
+            </a:r>
+            <a:r>
+              <a:rPr lang="ko-KR" altLang="en-US">
+                <a:solidFill>
+                  <a:schemeClr val="dk1"/>
+                </a:solidFill>
+              </a:rPr>
+              <a:t> 스타일 변환을 하지 않음</a:t>
+            </a:r>
+            <a:r>
+              <a:rPr lang="en-US" altLang="ko-KR">
+                <a:solidFill>
+                  <a:schemeClr val="dk1"/>
+                </a:solidFill>
+              </a:rPr>
+              <a:t>.</a:t>
+            </a:r>
+            <a:endParaRPr lang="en-US" altLang="ko-KR">
+              <a:solidFill>
+                <a:schemeClr val="dk1"/>
+              </a:solidFill>
+            </a:endParaRPr>
+          </a:p>
+          <a:p>
+            <a:pPr>
+              <a:defRPr/>
+            </a:pPr>
+            <a:r>
+              <a:rPr lang="en-US" altLang="ko-KR">
+                <a:solidFill>
+                  <a:schemeClr val="dk1"/>
+                </a:solidFill>
+              </a:rPr>
+              <a:t>2.</a:t>
+            </a:r>
+            <a:r>
+              <a:rPr lang="ko-KR" altLang="en-US">
+                <a:solidFill>
+                  <a:schemeClr val="dk1"/>
+                </a:solidFill>
+              </a:rPr>
+              <a:t> 터미널 에뮬레이터를 선택하는 창</a:t>
+            </a:r>
+            <a:r>
+              <a:rPr lang="en-US" altLang="ko-KR">
+                <a:solidFill>
+                  <a:schemeClr val="dk1"/>
+                </a:solidFill>
+              </a:rPr>
+              <a:t>.</a:t>
+            </a:r>
+            <a:endParaRPr lang="en-US" altLang="ko-KR">
+              <a:solidFill>
+                <a:schemeClr val="dk1"/>
+              </a:solidFill>
+            </a:endParaRPr>
+          </a:p>
+          <a:p>
+            <a:pPr>
+              <a:defRPr/>
+            </a:pPr>
+            <a:r>
+              <a:rPr lang="en-US" altLang="ko-KR">
+                <a:solidFill>
+                  <a:schemeClr val="dk1"/>
+                </a:solidFill>
+              </a:rPr>
+              <a:t>2-1. Use MinTTY : </a:t>
+            </a:r>
+            <a:r>
+              <a:rPr lang="ko-KR" altLang="en-US">
+                <a:solidFill>
+                  <a:schemeClr val="dk1"/>
+                </a:solidFill>
+              </a:rPr>
+              <a:t>기본 </a:t>
+            </a:r>
+            <a:r>
+              <a:rPr lang="en-US" altLang="ko-KR">
+                <a:solidFill>
+                  <a:schemeClr val="dk1"/>
+                </a:solidFill>
+              </a:rPr>
+              <a:t>Git Bash</a:t>
+            </a:r>
+            <a:r>
+              <a:rPr lang="ko-KR" altLang="en-US">
+                <a:solidFill>
+                  <a:schemeClr val="dk1"/>
+                </a:solidFill>
+              </a:rPr>
+              <a:t> 터미널을 사용</a:t>
+            </a:r>
+            <a:endParaRPr lang="ko-KR" altLang="en-US">
+              <a:solidFill>
+                <a:schemeClr val="dk1"/>
+              </a:solidFill>
+            </a:endParaRPr>
+          </a:p>
+          <a:p>
+            <a:pPr>
+              <a:defRPr/>
+            </a:pPr>
+            <a:r>
+              <a:rPr lang="en-US" altLang="ko-KR">
+                <a:solidFill>
+                  <a:schemeClr val="dk1"/>
+                </a:solidFill>
+              </a:rPr>
+              <a:t>2-2.</a:t>
+            </a:r>
+            <a:r>
+              <a:rPr lang="ko-KR" altLang="en-US">
+                <a:solidFill>
+                  <a:schemeClr val="dk1"/>
+                </a:solidFill>
+              </a:rPr>
+              <a:t> </a:t>
+            </a:r>
+            <a:r>
+              <a:rPr lang="en-US" altLang="ko-KR">
+                <a:solidFill>
+                  <a:schemeClr val="dk1"/>
+                </a:solidFill>
+              </a:rPr>
+              <a:t>Use Windows’ default conole window :</a:t>
+            </a:r>
+            <a:r>
+              <a:rPr lang="ko-KR" altLang="en-US">
+                <a:solidFill>
+                  <a:schemeClr val="dk1"/>
+                </a:solidFill>
+              </a:rPr>
+              <a:t> 윈도우 기본 콘솔인 </a:t>
+            </a:r>
+            <a:r>
+              <a:rPr lang="en-US" altLang="ko-KR">
+                <a:solidFill>
+                  <a:schemeClr val="dk1"/>
+                </a:solidFill>
+              </a:rPr>
+              <a:t>cmd</a:t>
+            </a:r>
+            <a:r>
+              <a:rPr lang="ko-KR" altLang="en-US">
+                <a:solidFill>
+                  <a:schemeClr val="dk1"/>
+                </a:solidFill>
+              </a:rPr>
+              <a:t>터미널을 사용</a:t>
+            </a:r>
+            <a:endParaRPr lang="ko-KR" altLang="en-US">
+              <a:solidFill>
+                <a:schemeClr val="dk1"/>
+              </a:solidFill>
+            </a:endParaRPr>
           </a:p>
         </p:txBody>
       </p:sp>

--- a/2021_Summer/jp.hong/Git_Manual.pptx
+++ b/2021_Summer/jp.hong/Git_Manual.pptx
@@ -2,7 +2,7 @@
 <file path=ppt/presentation.xml><?xml version="1.0" encoding="utf-8"?>
 <p:presentation xmlns:r="http://schemas.openxmlformats.org/officeDocument/2006/relationships" xmlns:c="http://schemas.openxmlformats.org/drawingml/2006/chart" xmlns:a="http://schemas.openxmlformats.org/drawingml/2006/main" xmlns:dgm="http://schemas.openxmlformats.org/drawingml/2006/diagram" xmlns:dsp="http://schemas.microsoft.com/office/drawing/2008/diagram" xmlns:p="http://schemas.openxmlformats.org/presentationml/2006/main">
   <p:sldMasterIdLst>
-    <p:sldMasterId id="2147483761" r:id="rId1"/>
+    <p:sldMasterId id="2147483718" r:id="rId1"/>
   </p:sldMasterIdLst>
   <p:sldIdLst>
     <p:sldId id="256" r:id="rId2"/>

--- a/2021_Summer/jp.hong/Git_Manual.pptx
+++ b/2021_Summer/jp.hong/Git_Manual.pptx
@@ -2,7 +2,7 @@
 <file path=ppt/presentation.xml><?xml version="1.0" encoding="utf-8"?>
 <p:presentation xmlns:r="http://schemas.openxmlformats.org/officeDocument/2006/relationships" xmlns:c="http://schemas.openxmlformats.org/drawingml/2006/chart" xmlns:a="http://schemas.openxmlformats.org/drawingml/2006/main" xmlns:dgm="http://schemas.openxmlformats.org/drawingml/2006/diagram" xmlns:dsp="http://schemas.microsoft.com/office/drawing/2008/diagram" xmlns:p="http://schemas.openxmlformats.org/presentationml/2006/main">
   <p:sldMasterIdLst>
-    <p:sldMasterId id="2147483718" r:id="rId1"/>
+    <p:sldMasterId id="2147483721" r:id="rId1"/>
   </p:sldMasterIdLst>
   <p:sldIdLst>
     <p:sldId id="256" r:id="rId2"/>
@@ -3214,7 +3214,12 @@
             <p:ph type="ctrTitle" idx="0"/>
           </p:nvPr>
         </p:nvSpPr>
-        <p:spPr/>
+        <p:spPr>
+          <a:xfrm>
+            <a:off x="914401" y="1958974"/>
+            <a:ext cx="10363198" cy="1470025"/>
+          </a:xfrm>
+        </p:spPr>
         <p:txBody>
           <a:bodyPr/>
           <a:lstStyle/>
@@ -9440,6 +9445,53 @@
                 <a:schemeClr val="dk1"/>
               </a:solidFill>
             </a:endParaRPr>
+          </a:p>
+        </p:txBody>
+      </p:sp>
+      <p:sp>
+        <p:nvSpPr>
+          <p:cNvPr id="8" name=""/>
+          <p:cNvSpPr/>
+          <p:nvPr/>
+        </p:nvSpPr>
+        <p:spPr>
+          <a:xfrm>
+            <a:off x="1283660" y="1335714"/>
+            <a:ext cx="3123314" cy="723907"/>
+          </a:xfrm>
+          <a:prstGeom prst="rect">
+            <a:avLst/>
+          </a:prstGeom>
+          <a:noFill/>
+          <a:ln w="76200">
+            <a:solidFill>
+              <a:srgbClr val="ff0000"/>
+            </a:solidFill>
+          </a:ln>
+        </p:spPr>
+        <p:style>
+          <a:lnRef idx="2">
+            <a:schemeClr val="accent1">
+              <a:shade val="20000"/>
+            </a:schemeClr>
+          </a:lnRef>
+          <a:fillRef idx="1">
+            <a:schemeClr val="accent1"/>
+          </a:fillRef>
+          <a:effectRef idx="0">
+            <a:schemeClr val="accent1"/>
+          </a:effectRef>
+          <a:fontRef idx="minor">
+            <a:schemeClr val="lt1"/>
+          </a:fontRef>
+        </p:style>
+        <p:txBody>
+          <a:bodyPr anchor="ctr"/>
+          <a:p>
+            <a:pPr algn="ctr">
+              <a:defRPr/>
+            </a:pPr>
+            <a:endParaRPr lang="ko-KR" altLang="en-US"/>
           </a:p>
         </p:txBody>
       </p:sp>
